--- a/无障碍应用市场需求分析.pptx
+++ b/无障碍应用市场需求分析.pptx
@@ -5,23 +5,25 @@
     <p:sldMasterId id="2147483648" r:id="rId1"/>
   </p:sldMasterIdLst>
   <p:notesMasterIdLst>
-    <p:notesMasterId r:id="rId8"/>
+    <p:notesMasterId r:id="rId10"/>
   </p:notesMasterIdLst>
   <p:handoutMasterIdLst>
-    <p:handoutMasterId r:id="rId9"/>
+    <p:handoutMasterId r:id="rId11"/>
   </p:handoutMasterIdLst>
   <p:sldIdLst>
     <p:sldId id="394" r:id="rId2"/>
-    <p:sldId id="382" r:id="rId3"/>
-    <p:sldId id="390" r:id="rId4"/>
-    <p:sldId id="395" r:id="rId5"/>
-    <p:sldId id="396" r:id="rId6"/>
-    <p:sldId id="370" r:id="rId7"/>
+    <p:sldId id="390" r:id="rId3"/>
+    <p:sldId id="398" r:id="rId4"/>
+    <p:sldId id="399" r:id="rId5"/>
+    <p:sldId id="382" r:id="rId6"/>
+    <p:sldId id="395" r:id="rId7"/>
+    <p:sldId id="396" r:id="rId8"/>
+    <p:sldId id="370" r:id="rId9"/>
   </p:sldIdLst>
   <p:sldSz cx="9144000" cy="5143500" type="screen16x9"/>
   <p:notesSz cx="6858000" cy="9144000"/>
   <p:custDataLst>
-    <p:tags r:id="rId10"/>
+    <p:tags r:id="rId12"/>
   </p:custDataLst>
   <p:defaultTextStyle>
     <a:defPPr>
@@ -915,7 +917,7 @@
     </p:spTree>
     <p:extLst>
       <p:ext uri="{BB962C8B-B14F-4D97-AF65-F5344CB8AC3E}">
-        <p14:creationId xmlns:p14="http://schemas.microsoft.com/office/powerpoint/2010/main" val="738161142"/>
+        <p14:creationId xmlns:p14="http://schemas.microsoft.com/office/powerpoint/2010/main" val="4273980847"/>
       </p:ext>
     </p:extLst>
   </p:cSld>
@@ -1059,7 +1061,7 @@
     </p:spTree>
     <p:extLst>
       <p:ext uri="{BB962C8B-B14F-4D97-AF65-F5344CB8AC3E}">
-        <p14:creationId xmlns:p14="http://schemas.microsoft.com/office/powerpoint/2010/main" val="4059135273"/>
+        <p14:creationId xmlns:p14="http://schemas.microsoft.com/office/powerpoint/2010/main" val="1035881500"/>
       </p:ext>
     </p:extLst>
   </p:cSld>
@@ -1070,6 +1072,91 @@
 </file>
 
 <file path=ppt/notesSlides/notesSlide5.xml><?xml version="1.0" encoding="utf-8"?>
+<p:notes xmlns:a="http://schemas.openxmlformats.org/drawingml/2006/main" xmlns:r="http://schemas.openxmlformats.org/officeDocument/2006/relationships" xmlns:p="http://schemas.openxmlformats.org/presentationml/2006/main">
+  <p:cSld>
+    <p:spTree>
+      <p:nvGrpSpPr>
+        <p:cNvPr id="1" name=""/>
+        <p:cNvGrpSpPr/>
+        <p:nvPr/>
+      </p:nvGrpSpPr>
+      <p:grpSpPr>
+        <a:xfrm>
+          <a:off x="0" y="0"/>
+          <a:ext cx="0" cy="0"/>
+          <a:chOff x="0" y="0"/>
+          <a:chExt cx="0" cy="0"/>
+        </a:xfrm>
+      </p:grpSpPr>
+      <p:sp>
+        <p:nvSpPr>
+          <p:cNvPr id="2" name="幻灯片图像占位符 1"/>
+          <p:cNvSpPr>
+            <a:spLocks noGrp="1" noRot="1" noChangeAspect="1"/>
+          </p:cNvSpPr>
+          <p:nvPr>
+            <p:ph type="sldImg"/>
+          </p:nvPr>
+        </p:nvSpPr>
+        <p:spPr/>
+      </p:sp>
+      <p:sp>
+        <p:nvSpPr>
+          <p:cNvPr id="3" name="备注占位符 2"/>
+          <p:cNvSpPr>
+            <a:spLocks noGrp="1"/>
+          </p:cNvSpPr>
+          <p:nvPr>
+            <p:ph type="body" idx="1"/>
+          </p:nvPr>
+        </p:nvSpPr>
+        <p:spPr/>
+        <p:txBody>
+          <a:bodyPr/>
+          <a:lstStyle/>
+          <a:p>
+            <a:endParaRPr lang="zh-CN" altLang="en-US"/>
+          </a:p>
+        </p:txBody>
+      </p:sp>
+      <p:sp>
+        <p:nvSpPr>
+          <p:cNvPr id="4" name="灯片编号占位符 3"/>
+          <p:cNvSpPr>
+            <a:spLocks noGrp="1"/>
+          </p:cNvSpPr>
+          <p:nvPr>
+            <p:ph type="sldNum" sz="quarter" idx="10"/>
+          </p:nvPr>
+        </p:nvSpPr>
+        <p:spPr/>
+        <p:txBody>
+          <a:bodyPr/>
+          <a:lstStyle/>
+          <a:p>
+            <a:fld id="{BAA47F99-6ADC-4C80-99B3-D41D132752F1}" type="slidenum">
+              <a:rPr lang="zh-CN" altLang="en-US" smtClean="0"/>
+              <a:pPr/>
+              <a:t>5</a:t>
+            </a:fld>
+            <a:endParaRPr lang="zh-CN" altLang="en-US"/>
+          </a:p>
+        </p:txBody>
+      </p:sp>
+    </p:spTree>
+    <p:extLst>
+      <p:ext uri="{BB962C8B-B14F-4D97-AF65-F5344CB8AC3E}">
+        <p14:creationId xmlns:p14="http://schemas.microsoft.com/office/powerpoint/2010/main" val="738161142"/>
+      </p:ext>
+    </p:extLst>
+  </p:cSld>
+  <p:clrMapOvr>
+    <a:masterClrMapping/>
+  </p:clrMapOvr>
+</p:notes>
+</file>
+
+<file path=ppt/notesSlides/notesSlide6.xml><?xml version="1.0" encoding="utf-8"?>
 <p:notes xmlns:a="http://schemas.openxmlformats.org/drawingml/2006/main" xmlns:r="http://schemas.openxmlformats.org/officeDocument/2006/relationships" xmlns:p="http://schemas.openxmlformats.org/presentationml/2006/main">
   <p:cSld>
     <p:spTree>
@@ -1181,7 +1268,151 @@
                 <a:tabLst/>
                 <a:defRPr/>
               </a:pPr>
-              <a:t>5</a:t>
+              <a:t>6</a:t>
+            </a:fld>
+            <a:endParaRPr kumimoji="0" lang="zh-CN" altLang="en-US" sz="1200" b="0" i="0" u="none" strike="noStrike" kern="1200" cap="none" spc="0" normalizeH="0" baseline="0" noProof="0">
+              <a:ln>
+                <a:noFill/>
+              </a:ln>
+              <a:solidFill>
+                <a:prstClr val="black"/>
+              </a:solidFill>
+              <a:effectLst/>
+              <a:uLnTx/>
+              <a:uFillTx/>
+              <a:latin typeface="Calibri"/>
+              <a:ea typeface="宋体" panose="02010600030101010101" pitchFamily="2" charset="-122"/>
+              <a:cs typeface="+mn-cs"/>
+            </a:endParaRPr>
+          </a:p>
+        </p:txBody>
+      </p:sp>
+    </p:spTree>
+    <p:extLst>
+      <p:ext uri="{BB962C8B-B14F-4D97-AF65-F5344CB8AC3E}">
+        <p14:creationId xmlns:p14="http://schemas.microsoft.com/office/powerpoint/2010/main" val="4059135273"/>
+      </p:ext>
+    </p:extLst>
+  </p:cSld>
+  <p:clrMapOvr>
+    <a:masterClrMapping/>
+  </p:clrMapOvr>
+</p:notes>
+</file>
+
+<file path=ppt/notesSlides/notesSlide7.xml><?xml version="1.0" encoding="utf-8"?>
+<p:notes xmlns:a="http://schemas.openxmlformats.org/drawingml/2006/main" xmlns:r="http://schemas.openxmlformats.org/officeDocument/2006/relationships" xmlns:p="http://schemas.openxmlformats.org/presentationml/2006/main">
+  <p:cSld>
+    <p:spTree>
+      <p:nvGrpSpPr>
+        <p:cNvPr id="1" name=""/>
+        <p:cNvGrpSpPr/>
+        <p:nvPr/>
+      </p:nvGrpSpPr>
+      <p:grpSpPr>
+        <a:xfrm>
+          <a:off x="0" y="0"/>
+          <a:ext cx="0" cy="0"/>
+          <a:chOff x="0" y="0"/>
+          <a:chExt cx="0" cy="0"/>
+        </a:xfrm>
+      </p:grpSpPr>
+      <p:sp>
+        <p:nvSpPr>
+          <p:cNvPr id="2" name="幻灯片图像占位符 1"/>
+          <p:cNvSpPr>
+            <a:spLocks noGrp="1" noRot="1" noChangeAspect="1"/>
+          </p:cNvSpPr>
+          <p:nvPr>
+            <p:ph type="sldImg"/>
+          </p:nvPr>
+        </p:nvSpPr>
+        <p:spPr/>
+      </p:sp>
+      <p:sp>
+        <p:nvSpPr>
+          <p:cNvPr id="3" name="备注占位符 2"/>
+          <p:cNvSpPr>
+            <a:spLocks noGrp="1"/>
+          </p:cNvSpPr>
+          <p:nvPr>
+            <p:ph type="body" idx="1"/>
+          </p:nvPr>
+        </p:nvSpPr>
+        <p:spPr/>
+        <p:txBody>
+          <a:bodyPr/>
+          <a:lstStyle/>
+          <a:p>
+            <a:endParaRPr lang="zh-CN" altLang="en-US"/>
+          </a:p>
+        </p:txBody>
+      </p:sp>
+      <p:sp>
+        <p:nvSpPr>
+          <p:cNvPr id="4" name="灯片编号占位符 3"/>
+          <p:cNvSpPr>
+            <a:spLocks noGrp="1"/>
+          </p:cNvSpPr>
+          <p:nvPr>
+            <p:ph type="sldNum" sz="quarter" idx="10"/>
+          </p:nvPr>
+        </p:nvSpPr>
+        <p:spPr/>
+        <p:txBody>
+          <a:bodyPr/>
+          <a:lstStyle/>
+          <a:p>
+            <a:pPr marL="0" marR="0" lvl="0" indent="0" algn="r" defTabSz="914400" rtl="0" eaLnBrk="1" fontAlgn="auto" latinLnBrk="0" hangingPunct="1">
+              <a:lnSpc>
+                <a:spcPct val="100000"/>
+              </a:lnSpc>
+              <a:spcBef>
+                <a:spcPts val="0"/>
+              </a:spcBef>
+              <a:spcAft>
+                <a:spcPts val="0"/>
+              </a:spcAft>
+              <a:buClrTx/>
+              <a:buSzTx/>
+              <a:buFontTx/>
+              <a:buNone/>
+              <a:tabLst/>
+              <a:defRPr/>
+            </a:pPr>
+            <a:fld id="{BAA47F99-6ADC-4C80-99B3-D41D132752F1}" type="slidenum">
+              <a:rPr kumimoji="0" lang="zh-CN" altLang="en-US" sz="1200" b="0" i="0" u="none" strike="noStrike" kern="1200" cap="none" spc="0" normalizeH="0" baseline="0" noProof="0" smtClean="0">
+                <a:ln>
+                  <a:noFill/>
+                </a:ln>
+                <a:solidFill>
+                  <a:prstClr val="black"/>
+                </a:solidFill>
+                <a:effectLst/>
+                <a:uLnTx/>
+                <a:uFillTx/>
+                <a:latin typeface="Calibri"/>
+                <a:ea typeface="宋体" panose="02010600030101010101" pitchFamily="2" charset="-122"/>
+                <a:cs typeface="+mn-cs"/>
+              </a:rPr>
+              <a:pPr marL="0" marR="0" lvl="0" indent="0" algn="r" defTabSz="914400" rtl="0" eaLnBrk="1" fontAlgn="auto" latinLnBrk="0" hangingPunct="1">
+                <a:lnSpc>
+                  <a:spcPct val="100000"/>
+                </a:lnSpc>
+                <a:spcBef>
+                  <a:spcPts val="0"/>
+                </a:spcBef>
+                <a:spcAft>
+                  <a:spcPts val="0"/>
+                </a:spcAft>
+                <a:buClrTx/>
+                <a:buSzTx/>
+                <a:buFontTx/>
+                <a:buNone/>
+                <a:tabLst/>
+                <a:defRPr/>
+              </a:pPr>
+              <a:t>7</a:t>
             </a:fld>
             <a:endParaRPr kumimoji="0" lang="zh-CN" altLang="en-US" sz="1200" b="0" i="0" u="none" strike="noStrike" kern="1200" cap="none" spc="0" normalizeH="0" baseline="0" noProof="0">
               <a:ln>
@@ -1213,7 +1444,7 @@
 </p:notes>
 </file>
 
-<file path=ppt/notesSlides/notesSlide6.xml><?xml version="1.0" encoding="utf-8"?>
+<file path=ppt/notesSlides/notesSlide8.xml><?xml version="1.0" encoding="utf-8"?>
 <p:notes xmlns:a="http://schemas.openxmlformats.org/drawingml/2006/main" xmlns:r="http://schemas.openxmlformats.org/officeDocument/2006/relationships" xmlns:p="http://schemas.openxmlformats.org/presentationml/2006/main">
   <p:cSld>
     <p:spTree>
@@ -1279,7 +1510,7 @@
             <a:fld id="{BAA47F99-6ADC-4C80-99B3-D41D132752F1}" type="slidenum">
               <a:rPr lang="zh-CN" altLang="en-US" smtClean="0"/>
               <a:pPr/>
-              <a:t>6</a:t>
+              <a:t>8</a:t>
             </a:fld>
             <a:endParaRPr lang="zh-CN" altLang="en-US"/>
           </a:p>
@@ -6642,629 +6873,6 @@
           <a:chExt cx="0" cy="0"/>
         </a:xfrm>
       </p:grpSpPr>
-      <p:sp>
-        <p:nvSpPr>
-          <p:cNvPr id="7" name="TextBox 6"/>
-          <p:cNvSpPr txBox="1"/>
-          <p:nvPr/>
-        </p:nvSpPr>
-        <p:spPr>
-          <a:xfrm>
-            <a:off x="1331640" y="1394210"/>
-            <a:ext cx="6480720" cy="2931574"/>
-          </a:xfrm>
-          <a:prstGeom prst="rect">
-            <a:avLst/>
-          </a:prstGeom>
-          <a:noFill/>
-        </p:spPr>
-        <p:txBody>
-          <a:bodyPr wrap="square" lIns="68584" tIns="34291" rIns="68584" bIns="34291" rtlCol="0">
-            <a:spAutoFit/>
-          </a:bodyPr>
-          <a:lstStyle/>
-          <a:p>
-            <a:pPr algn="just" eaLnBrk="0" hangingPunct="0">
-              <a:lnSpc>
-                <a:spcPct val="150000"/>
-              </a:lnSpc>
-            </a:pPr>
-            <a:r>
-              <a:rPr lang="en-US" altLang="zh-CN" dirty="0" smtClean="0"/>
-              <a:t>2002</a:t>
-            </a:r>
-            <a:r>
-              <a:rPr lang="zh-CN" altLang="en-US" dirty="0" smtClean="0"/>
-              <a:t>年世界卫生组织公布</a:t>
-            </a:r>
-            <a:r>
-              <a:rPr lang="zh-CN" altLang="en-US" dirty="0"/>
-              <a:t>的</a:t>
-            </a:r>
-            <a:r>
-              <a:rPr lang="zh-CN" altLang="en-US" dirty="0" smtClean="0"/>
-              <a:t>统计，</a:t>
-            </a:r>
-            <a:r>
-              <a:rPr lang="zh-CN" altLang="en-US" dirty="0"/>
-              <a:t>目前全球共有盲人近</a:t>
-            </a:r>
-            <a:r>
-              <a:rPr lang="en-US" altLang="zh-CN" dirty="0"/>
-              <a:t>4500</a:t>
-            </a:r>
-            <a:r>
-              <a:rPr lang="zh-CN" altLang="en-US" dirty="0"/>
-              <a:t>万，有各种各样视力毛病的人则多达</a:t>
-            </a:r>
-            <a:r>
-              <a:rPr lang="en-US" altLang="zh-CN" dirty="0"/>
-              <a:t>1</a:t>
-            </a:r>
-            <a:r>
-              <a:rPr lang="zh-CN" altLang="en-US" dirty="0"/>
-              <a:t>．</a:t>
-            </a:r>
-            <a:r>
-              <a:rPr lang="en-US" altLang="zh-CN" dirty="0"/>
-              <a:t>8</a:t>
-            </a:r>
-            <a:r>
-              <a:rPr lang="zh-CN" altLang="en-US" dirty="0"/>
-              <a:t>亿</a:t>
-            </a:r>
-            <a:r>
-              <a:rPr lang="zh-CN" altLang="en-US" dirty="0" smtClean="0"/>
-              <a:t>，并且全球</a:t>
-            </a:r>
-            <a:r>
-              <a:rPr lang="zh-CN" altLang="en-US" dirty="0"/>
-              <a:t>每年有</a:t>
-            </a:r>
-            <a:r>
-              <a:rPr lang="en-US" altLang="zh-CN" dirty="0"/>
-              <a:t>700</a:t>
-            </a:r>
-            <a:r>
-              <a:rPr lang="zh-CN" altLang="en-US" dirty="0"/>
-              <a:t>万人成为盲人</a:t>
-            </a:r>
-            <a:r>
-              <a:rPr lang="zh-CN" altLang="en-US" dirty="0" smtClean="0"/>
-              <a:t>。而</a:t>
-            </a:r>
-            <a:r>
-              <a:rPr lang="en-US" altLang="zh-CN" dirty="0" smtClean="0"/>
-              <a:t>Android</a:t>
-            </a:r>
-            <a:r>
-              <a:rPr lang="zh-CN" altLang="en-US" dirty="0" smtClean="0"/>
-              <a:t>手机的市场占有率高达</a:t>
-            </a:r>
-            <a:r>
-              <a:rPr lang="en-US" altLang="zh-CN" dirty="0" smtClean="0"/>
-              <a:t>84.4%</a:t>
-            </a:r>
-            <a:r>
-              <a:rPr lang="zh-CN" altLang="en-US" dirty="0" smtClean="0"/>
-              <a:t>，但</a:t>
-            </a:r>
-            <a:r>
-              <a:rPr lang="en-US" altLang="zh-CN" dirty="0" smtClean="0"/>
-              <a:t>Android</a:t>
-            </a:r>
-            <a:r>
-              <a:rPr lang="zh-CN" altLang="en-US" dirty="0" smtClean="0"/>
-              <a:t>应用各式各样，并不是所有的应用支持</a:t>
-            </a:r>
-            <a:r>
-              <a:rPr lang="zh-CN" altLang="en-US" dirty="0"/>
-              <a:t>无障碍</a:t>
-            </a:r>
-            <a:r>
-              <a:rPr lang="zh-CN" altLang="en-US" dirty="0" smtClean="0"/>
-              <a:t>，经常某应用在下载榜单排名很高，盲人却无法正常使用。因此我们团队针对这一群体，打造一款全</a:t>
-            </a:r>
-            <a:r>
-              <a:rPr lang="en-US" altLang="zh-CN" sz="1600" dirty="0" smtClean="0">
-                <a:solidFill>
-                  <a:schemeClr val="tx1">
-                    <a:lumMod val="95000"/>
-                    <a:lumOff val="5000"/>
-                  </a:schemeClr>
-                </a:solidFill>
-                <a:latin typeface="微软雅黑" pitchFamily="34" charset="-122"/>
-                <a:ea typeface="微软雅黑" pitchFamily="34" charset="-122"/>
-                <a:sym typeface="微软雅黑" pitchFamily="34" charset="-122"/>
-              </a:rPr>
-              <a:t>Android</a:t>
-            </a:r>
-            <a:r>
-              <a:rPr lang="zh-CN" altLang="en-US" sz="1600" dirty="0" smtClean="0">
-                <a:solidFill>
-                  <a:schemeClr val="tx1">
-                    <a:lumMod val="95000"/>
-                    <a:lumOff val="5000"/>
-                  </a:schemeClr>
-                </a:solidFill>
-                <a:latin typeface="微软雅黑" pitchFamily="34" charset="-122"/>
-                <a:ea typeface="微软雅黑" pitchFamily="34" charset="-122"/>
-                <a:sym typeface="微软雅黑" pitchFamily="34" charset="-122"/>
-              </a:rPr>
-              <a:t>平台的应用商店，使盲人群体可以方便的下载使用，分享该应用。</a:t>
-            </a:r>
-            <a:endParaRPr lang="en-US" altLang="zh-CN" dirty="0" smtClean="0"/>
-          </a:p>
-        </p:txBody>
-      </p:sp>
-      <p:sp>
-        <p:nvSpPr>
-          <p:cNvPr id="9" name="圆角矩形 8"/>
-          <p:cNvSpPr/>
-          <p:nvPr/>
-        </p:nvSpPr>
-        <p:spPr>
-          <a:xfrm>
-            <a:off x="935596" y="1001750"/>
-            <a:ext cx="7236804" cy="3442208"/>
-          </a:xfrm>
-          <a:prstGeom prst="roundRect">
-            <a:avLst>
-              <a:gd name="adj" fmla="val 4384"/>
-            </a:avLst>
-          </a:prstGeom>
-          <a:noFill/>
-          <a:ln>
-            <a:solidFill>
-              <a:schemeClr val="tx2"/>
-            </a:solidFill>
-          </a:ln>
-        </p:spPr>
-        <p:style>
-          <a:lnRef idx="2">
-            <a:schemeClr val="accent1">
-              <a:shade val="50000"/>
-            </a:schemeClr>
-          </a:lnRef>
-          <a:fillRef idx="1">
-            <a:schemeClr val="accent1"/>
-          </a:fillRef>
-          <a:effectRef idx="0">
-            <a:schemeClr val="accent1"/>
-          </a:effectRef>
-          <a:fontRef idx="minor">
-            <a:schemeClr val="lt1"/>
-          </a:fontRef>
-        </p:style>
-        <p:txBody>
-          <a:bodyPr rtlCol="0" anchor="ctr"/>
-          <a:lstStyle/>
-          <a:p>
-            <a:pPr algn="ctr"/>
-            <a:endParaRPr lang="zh-CN" altLang="en-US"/>
-          </a:p>
-        </p:txBody>
-      </p:sp>
-      <p:grpSp>
-        <p:nvGrpSpPr>
-          <p:cNvPr id="11" name="组合 10"/>
-          <p:cNvGrpSpPr/>
-          <p:nvPr/>
-        </p:nvGrpSpPr>
-        <p:grpSpPr>
-          <a:xfrm>
-            <a:off x="1403648" y="699542"/>
-            <a:ext cx="2400540" cy="557194"/>
-            <a:chOff x="947324" y="607654"/>
-            <a:chExt cx="2400540" cy="557194"/>
-          </a:xfrm>
-        </p:grpSpPr>
-        <p:sp>
-          <p:nvSpPr>
-            <p:cNvPr id="12" name="圆角矩形 11"/>
-            <p:cNvSpPr/>
-            <p:nvPr/>
-          </p:nvSpPr>
-          <p:spPr>
-            <a:xfrm>
-              <a:off x="947324" y="607654"/>
-              <a:ext cx="2400540" cy="557194"/>
-            </a:xfrm>
-            <a:prstGeom prst="roundRect">
-              <a:avLst/>
-            </a:prstGeom>
-            <a:solidFill>
-              <a:schemeClr val="tx2"/>
-            </a:solidFill>
-            <a:ln>
-              <a:noFill/>
-            </a:ln>
-          </p:spPr>
-          <p:style>
-            <a:lnRef idx="2">
-              <a:schemeClr val="accent1">
-                <a:shade val="50000"/>
-              </a:schemeClr>
-            </a:lnRef>
-            <a:fillRef idx="1">
-              <a:schemeClr val="accent1"/>
-            </a:fillRef>
-            <a:effectRef idx="0">
-              <a:schemeClr val="accent1"/>
-            </a:effectRef>
-            <a:fontRef idx="minor">
-              <a:schemeClr val="lt1"/>
-            </a:fontRef>
-          </p:style>
-          <p:txBody>
-            <a:bodyPr rtlCol="0" anchor="ctr"/>
-            <a:lstStyle/>
-            <a:p>
-              <a:pPr algn="ctr"/>
-              <a:endParaRPr lang="zh-CN" altLang="en-US"/>
-            </a:p>
-          </p:txBody>
-        </p:sp>
-        <p:sp>
-          <p:nvSpPr>
-            <p:cNvPr id="13" name="TextBox 12"/>
-            <p:cNvSpPr txBox="1"/>
-            <p:nvPr/>
-          </p:nvSpPr>
-          <p:spPr>
-            <a:xfrm>
-              <a:off x="1115616" y="625527"/>
-              <a:ext cx="2088232" cy="523137"/>
-            </a:xfrm>
-            <a:prstGeom prst="rect">
-              <a:avLst/>
-            </a:prstGeom>
-            <a:noFill/>
-          </p:spPr>
-          <p:txBody>
-            <a:bodyPr wrap="square" lIns="91361" tIns="45679" rIns="91361" bIns="45679">
-              <a:spAutoFit/>
-            </a:bodyPr>
-            <a:lstStyle/>
-            <a:p>
-              <a:pPr>
-                <a:defRPr/>
-              </a:pPr>
-              <a:r>
-                <a:rPr lang="zh-CN" altLang="en-US" sz="2800" b="1" dirty="0" smtClean="0">
-                  <a:solidFill>
-                    <a:schemeClr val="bg1"/>
-                  </a:solidFill>
-                  <a:latin typeface="微软雅黑" pitchFamily="34" charset="-122"/>
-                  <a:ea typeface="微软雅黑" pitchFamily="34" charset="-122"/>
-                </a:rPr>
-                <a:t>前言</a:t>
-              </a:r>
-              <a:r>
-                <a:rPr lang="en-US" altLang="zh-CN" sz="2800" b="1" dirty="0" smtClean="0">
-                  <a:solidFill>
-                    <a:schemeClr val="bg1"/>
-                  </a:solidFill>
-                  <a:latin typeface="微软雅黑" pitchFamily="34" charset="-122"/>
-                  <a:ea typeface="微软雅黑" pitchFamily="34" charset="-122"/>
-                </a:rPr>
-                <a:t>/</a:t>
-              </a:r>
-              <a:r>
-                <a:rPr lang="en-US" altLang="zh-CN" b="1" dirty="0" smtClean="0">
-                  <a:solidFill>
-                    <a:schemeClr val="bg1"/>
-                  </a:solidFill>
-                  <a:latin typeface="微软雅黑" pitchFamily="34" charset="-122"/>
-                  <a:ea typeface="微软雅黑" pitchFamily="34" charset="-122"/>
-                </a:rPr>
-                <a:t>PREFACE</a:t>
-              </a:r>
-              <a:endParaRPr lang="zh-CN" altLang="en-US" b="1" dirty="0">
-                <a:solidFill>
-                  <a:schemeClr val="bg1"/>
-                </a:solidFill>
-                <a:latin typeface="微软雅黑" pitchFamily="34" charset="-122"/>
-                <a:ea typeface="微软雅黑" pitchFamily="34" charset="-122"/>
-              </a:endParaRPr>
-            </a:p>
-          </p:txBody>
-        </p:sp>
-      </p:grpSp>
-    </p:spTree>
-    <p:extLst>
-      <p:ext uri="{BB962C8B-B14F-4D97-AF65-F5344CB8AC3E}">
-        <p14:creationId xmlns:p14="http://schemas.microsoft.com/office/powerpoint/2010/main" val="2884741510"/>
-      </p:ext>
-    </p:extLst>
-  </p:cSld>
-  <p:clrMapOvr>
-    <a:masterClrMapping/>
-  </p:clrMapOvr>
-  <mc:AlternateContent xmlns:mc="http://schemas.openxmlformats.org/markup-compatibility/2006" xmlns:p14="http://schemas.microsoft.com/office/powerpoint/2010/main">
-    <mc:Choice Requires="p14">
-      <p:transition spd="slow" p14:dur="10000">
-        <p:cover/>
-      </p:transition>
-    </mc:Choice>
-    <mc:Fallback xmlns="">
-      <p:transition spd="slow">
-        <p:cover/>
-      </p:transition>
-    </mc:Fallback>
-  </mc:AlternateContent>
-  <p:timing>
-    <p:tnLst>
-      <p:par>
-        <p:cTn id="1" dur="indefinite" restart="never" nodeType="tmRoot">
-          <p:childTnLst>
-            <p:seq concurrent="1" nextAc="seek">
-              <p:cTn id="2" dur="indefinite" nodeType="mainSeq">
-                <p:childTnLst>
-                  <p:par>
-                    <p:cTn id="3" fill="hold">
-                      <p:stCondLst>
-                        <p:cond delay="indefinite"/>
-                        <p:cond evt="onBegin" delay="0">
-                          <p:tn val="2"/>
-                        </p:cond>
-                      </p:stCondLst>
-                      <p:childTnLst>
-                        <p:par>
-                          <p:cTn id="4" fill="hold">
-                            <p:stCondLst>
-                              <p:cond delay="0"/>
-                            </p:stCondLst>
-                            <p:childTnLst>
-                              <p:par>
-                                <p:cTn id="5" presetID="16" presetClass="entr" presetSubtype="21" fill="hold" nodeType="afterEffect">
-                                  <p:stCondLst>
-                                    <p:cond delay="0"/>
-                                  </p:stCondLst>
-                                  <p:childTnLst>
-                                    <p:set>
-                                      <p:cBhvr>
-                                        <p:cTn id="6" dur="1" fill="hold">
-                                          <p:stCondLst>
-                                            <p:cond delay="0"/>
-                                          </p:stCondLst>
-                                        </p:cTn>
-                                        <p:tgtEl>
-                                          <p:spTgt spid="11"/>
-                                        </p:tgtEl>
-                                        <p:attrNameLst>
-                                          <p:attrName>style.visibility</p:attrName>
-                                        </p:attrNameLst>
-                                      </p:cBhvr>
-                                      <p:to>
-                                        <p:strVal val="visible"/>
-                                      </p:to>
-                                    </p:set>
-                                    <p:animEffect transition="in" filter="barn(inVertical)">
-                                      <p:cBhvr>
-                                        <p:cTn id="7" dur="500"/>
-                                        <p:tgtEl>
-                                          <p:spTgt spid="11"/>
-                                        </p:tgtEl>
-                                      </p:cBhvr>
-                                    </p:animEffect>
-                                  </p:childTnLst>
-                                </p:cTn>
-                              </p:par>
-                            </p:childTnLst>
-                          </p:cTn>
-                        </p:par>
-                        <p:par>
-                          <p:cTn id="8" fill="hold">
-                            <p:stCondLst>
-                              <p:cond delay="500"/>
-                            </p:stCondLst>
-                            <p:childTnLst>
-                              <p:par>
-                                <p:cTn id="9" presetID="22" presetClass="entr" presetSubtype="1" fill="hold" grpId="0" nodeType="afterEffect">
-                                  <p:stCondLst>
-                                    <p:cond delay="0"/>
-                                  </p:stCondLst>
-                                  <p:childTnLst>
-                                    <p:set>
-                                      <p:cBhvr>
-                                        <p:cTn id="10" dur="1" fill="hold">
-                                          <p:stCondLst>
-                                            <p:cond delay="0"/>
-                                          </p:stCondLst>
-                                        </p:cTn>
-                                        <p:tgtEl>
-                                          <p:spTgt spid="9"/>
-                                        </p:tgtEl>
-                                        <p:attrNameLst>
-                                          <p:attrName>style.visibility</p:attrName>
-                                        </p:attrNameLst>
-                                      </p:cBhvr>
-                                      <p:to>
-                                        <p:strVal val="visible"/>
-                                      </p:to>
-                                    </p:set>
-                                    <p:animEffect transition="in" filter="wipe(up)">
-                                      <p:cBhvr>
-                                        <p:cTn id="11" dur="500"/>
-                                        <p:tgtEl>
-                                          <p:spTgt spid="9"/>
-                                        </p:tgtEl>
-                                      </p:cBhvr>
-                                    </p:animEffect>
-                                  </p:childTnLst>
-                                </p:cTn>
-                              </p:par>
-                            </p:childTnLst>
-                          </p:cTn>
-                        </p:par>
-                        <p:par>
-                          <p:cTn id="12" fill="hold">
-                            <p:stCondLst>
-                              <p:cond delay="1000"/>
-                            </p:stCondLst>
-                            <p:childTnLst>
-                              <p:par>
-                                <p:cTn id="13" presetID="22" presetClass="entr" presetSubtype="8" fill="hold" grpId="0" nodeType="afterEffect">
-                                  <p:stCondLst>
-                                    <p:cond delay="0"/>
-                                  </p:stCondLst>
-                                  <p:iterate type="lt">
-                                    <p:tmPct val="30000"/>
-                                  </p:iterate>
-                                  <p:childTnLst>
-                                    <p:set>
-                                      <p:cBhvr>
-                                        <p:cTn id="14" dur="1" fill="hold">
-                                          <p:stCondLst>
-                                            <p:cond delay="0"/>
-                                          </p:stCondLst>
-                                        </p:cTn>
-                                        <p:tgtEl>
-                                          <p:spTgt spid="7"/>
-                                        </p:tgtEl>
-                                        <p:attrNameLst>
-                                          <p:attrName>style.visibility</p:attrName>
-                                        </p:attrNameLst>
-                                      </p:cBhvr>
-                                      <p:to>
-                                        <p:strVal val="visible"/>
-                                      </p:to>
-                                    </p:set>
-                                    <p:animEffect transition="in" filter="wipe(left)">
-                                      <p:cBhvr>
-                                        <p:cTn id="15" dur="100"/>
-                                        <p:tgtEl>
-                                          <p:spTgt spid="7"/>
-                                        </p:tgtEl>
-                                      </p:cBhvr>
-                                    </p:animEffect>
-                                  </p:childTnLst>
-                                </p:cTn>
-                              </p:par>
-                              <p:par>
-                                <p:cTn id="16" presetID="36" presetClass="emph" presetSubtype="0" fill="hold" grpId="1" nodeType="withEffect">
-                                  <p:stCondLst>
-                                    <p:cond delay="0"/>
-                                  </p:stCondLst>
-                                  <p:iterate type="lt">
-                                    <p:tmPct val="30000"/>
-                                  </p:iterate>
-                                  <p:childTnLst>
-                                    <p:animScale>
-                                      <p:cBhvr>
-                                        <p:cTn id="17" dur="50" autoRev="1" fill="hold">
-                                          <p:stCondLst>
-                                            <p:cond delay="0"/>
-                                          </p:stCondLst>
-                                        </p:cTn>
-                                        <p:tgtEl>
-                                          <p:spTgt spid="7"/>
-                                        </p:tgtEl>
-                                      </p:cBhvr>
-                                      <p:to x="80000" y="100000"/>
-                                    </p:animScale>
-                                    <p:anim by="(#ppt_w*0.10)" calcmode="lin" valueType="num">
-                                      <p:cBhvr>
-                                        <p:cTn id="18" dur="50" autoRev="1" fill="hold">
-                                          <p:stCondLst>
-                                            <p:cond delay="0"/>
-                                          </p:stCondLst>
-                                        </p:cTn>
-                                        <p:tgtEl>
-                                          <p:spTgt spid="7"/>
-                                        </p:tgtEl>
-                                        <p:attrNameLst>
-                                          <p:attrName>ppt_x</p:attrName>
-                                        </p:attrNameLst>
-                                      </p:cBhvr>
-                                    </p:anim>
-                                    <p:anim by="(-#ppt_w*0.10)" calcmode="lin" valueType="num">
-                                      <p:cBhvr>
-                                        <p:cTn id="19" dur="50" autoRev="1" fill="hold">
-                                          <p:stCondLst>
-                                            <p:cond delay="0"/>
-                                          </p:stCondLst>
-                                        </p:cTn>
-                                        <p:tgtEl>
-                                          <p:spTgt spid="7"/>
-                                        </p:tgtEl>
-                                        <p:attrNameLst>
-                                          <p:attrName>ppt_y</p:attrName>
-                                        </p:attrNameLst>
-                                      </p:cBhvr>
-                                    </p:anim>
-                                    <p:animRot by="-480000">
-                                      <p:cBhvr>
-                                        <p:cTn id="20" dur="50" autoRev="1" fill="hold">
-                                          <p:stCondLst>
-                                            <p:cond delay="0"/>
-                                          </p:stCondLst>
-                                        </p:cTn>
-                                        <p:tgtEl>
-                                          <p:spTgt spid="7"/>
-                                        </p:tgtEl>
-                                        <p:attrNameLst>
-                                          <p:attrName>r</p:attrName>
-                                        </p:attrNameLst>
-                                      </p:cBhvr>
-                                    </p:animRot>
-                                  </p:childTnLst>
-                                </p:cTn>
-                              </p:par>
-                            </p:childTnLst>
-                          </p:cTn>
-                        </p:par>
-                      </p:childTnLst>
-                    </p:cTn>
-                  </p:par>
-                </p:childTnLst>
-              </p:cTn>
-              <p:prevCondLst>
-                <p:cond evt="onPrev" delay="0">
-                  <p:tgtEl>
-                    <p:sldTgt/>
-                  </p:tgtEl>
-                </p:cond>
-              </p:prevCondLst>
-              <p:nextCondLst>
-                <p:cond evt="onNext" delay="0">
-                  <p:tgtEl>
-                    <p:sldTgt/>
-                  </p:tgtEl>
-                </p:cond>
-              </p:nextCondLst>
-            </p:seq>
-          </p:childTnLst>
-        </p:cTn>
-      </p:par>
-    </p:tnLst>
-    <p:bldLst>
-      <p:bldP spid="7" grpId="0"/>
-      <p:bldP spid="7" grpId="1"/>
-      <p:bldP spid="9" grpId="0" animBg="1"/>
-    </p:bldLst>
-  </p:timing>
-</p:sld>
-</file>
-
-<file path=ppt/slides/slide3.xml><?xml version="1.0" encoding="utf-8"?>
-<p:sld xmlns:a="http://schemas.openxmlformats.org/drawingml/2006/main" xmlns:r="http://schemas.openxmlformats.org/officeDocument/2006/relationships" xmlns:p="http://schemas.openxmlformats.org/presentationml/2006/main">
-  <p:cSld>
-    <p:spTree>
-      <p:nvGrpSpPr>
-        <p:cNvPr id="1" name=""/>
-        <p:cNvGrpSpPr/>
-        <p:nvPr/>
-      </p:nvGrpSpPr>
-      <p:grpSpPr>
-        <a:xfrm>
-          <a:off x="0" y="0"/>
-          <a:ext cx="0" cy="0"/>
-          <a:chOff x="0" y="0"/>
-          <a:chExt cx="0" cy="0"/>
-        </a:xfrm>
-      </p:grpSpPr>
       <p:pic>
         <p:nvPicPr>
           <p:cNvPr id="24" name="图片 23"/>
@@ -7943,14 +7551,14 @@
   <p:clrMapOvr>
     <a:masterClrMapping/>
   </p:clrMapOvr>
-  <mc:AlternateContent xmlns:mc="http://schemas.openxmlformats.org/markup-compatibility/2006" xmlns:p14="http://schemas.microsoft.com/office/powerpoint/2010/main">
-    <mc:Choice Requires="p14">
-      <p:transition spd="slow" p14:dur="1500" advTm="0">
+  <mc:AlternateContent xmlns:mc="http://schemas.openxmlformats.org/markup-compatibility/2006">
+    <mc:Choice xmlns:p14="http://schemas.microsoft.com/office/powerpoint/2010/main" Requires="p14">
+      <p:transition spd="slow" p14:dur="1500">
         <p:cover/>
       </p:transition>
     </mc:Choice>
-    <mc:Fallback xmlns="">
-      <p:transition spd="slow" advTm="0">
+    <mc:Fallback>
+      <p:transition spd="slow">
         <p:cover/>
       </p:transition>
     </mc:Fallback>
@@ -8660,7 +8268,3658 @@
 </p:sld>
 </file>
 
+<file path=ppt/slides/slide3.xml><?xml version="1.0" encoding="utf-8"?>
+<p:sld xmlns:a="http://schemas.openxmlformats.org/drawingml/2006/main" xmlns:r="http://schemas.openxmlformats.org/officeDocument/2006/relationships" xmlns:p="http://schemas.openxmlformats.org/presentationml/2006/main">
+  <p:cSld>
+    <p:spTree>
+      <p:nvGrpSpPr>
+        <p:cNvPr id="1" name=""/>
+        <p:cNvGrpSpPr/>
+        <p:nvPr/>
+      </p:nvGrpSpPr>
+      <p:grpSpPr>
+        <a:xfrm>
+          <a:off x="0" y="0"/>
+          <a:ext cx="0" cy="0"/>
+          <a:chOff x="0" y="0"/>
+          <a:chExt cx="0" cy="0"/>
+        </a:xfrm>
+      </p:grpSpPr>
+      <p:sp>
+        <p:nvSpPr>
+          <p:cNvPr id="27" name="Text Box 30"/>
+          <p:cNvSpPr>
+            <a:spLocks noChangeArrowheads="1"/>
+          </p:cNvSpPr>
+          <p:nvPr/>
+        </p:nvSpPr>
+        <p:spPr bwMode="auto">
+          <a:xfrm>
+            <a:off x="2920124" y="2891975"/>
+            <a:ext cx="2514481" cy="346212"/>
+          </a:xfrm>
+          <a:prstGeom prst="rect">
+            <a:avLst/>
+          </a:prstGeom>
+          <a:noFill/>
+          <a:ln>
+            <a:noFill/>
+          </a:ln>
+          <a:extLst>
+            <a:ext uri="{909E8E84-426E-40DD-AFC4-6F175D3DCCD1}">
+              <a14:hiddenFill xmlns:a14="http://schemas.microsoft.com/office/drawing/2010/main">
+                <a:solidFill>
+                  <a:srgbClr val="FFFFFF"/>
+                </a:solidFill>
+              </a14:hiddenFill>
+            </a:ext>
+            <a:ext uri="{91240B29-F687-4F45-9708-019B960494DF}">
+              <a14:hiddenLine xmlns:a14="http://schemas.microsoft.com/office/drawing/2010/main" w="9525">
+                <a:solidFill>
+                  <a:srgbClr val="000000"/>
+                </a:solidFill>
+                <a:miter lim="800000"/>
+                <a:headEnd/>
+                <a:tailEnd/>
+              </a14:hiddenLine>
+            </a:ext>
+          </a:extLst>
+        </p:spPr>
+        <p:txBody>
+          <a:bodyPr lIns="68543" tIns="34272" rIns="68543" bIns="34272">
+            <a:spAutoFit/>
+          </a:bodyPr>
+          <a:lstStyle/>
+          <a:p>
+            <a:pPr latinLnBrk="1">
+              <a:buClr>
+                <a:srgbClr val="FF0000"/>
+              </a:buClr>
+              <a:buSzPct val="70000"/>
+            </a:pPr>
+            <a:r>
+              <a:rPr lang="zh-CN" altLang="en-US" b="1" dirty="0" smtClean="0">
+                <a:solidFill>
+                  <a:srgbClr val="000000"/>
+                </a:solidFill>
+                <a:latin typeface="微软雅黑" pitchFamily="34" charset="-122"/>
+                <a:ea typeface="微软雅黑" pitchFamily="34" charset="-122"/>
+                <a:sym typeface="微软雅黑" pitchFamily="34" charset="-122"/>
+              </a:rPr>
+              <a:t>互联网普及率越来越高</a:t>
+            </a:r>
+            <a:endParaRPr lang="zh-CN" altLang="en-US" dirty="0"/>
+          </a:p>
+        </p:txBody>
+      </p:sp>
+      <p:sp>
+        <p:nvSpPr>
+          <p:cNvPr id="33" name="Freeform 7"/>
+          <p:cNvSpPr>
+            <a:spLocks noChangeArrowheads="1"/>
+          </p:cNvSpPr>
+          <p:nvPr/>
+        </p:nvSpPr>
+        <p:spPr bwMode="auto">
+          <a:xfrm>
+            <a:off x="703994" y="1016729"/>
+            <a:ext cx="4861046" cy="3388013"/>
+          </a:xfrm>
+          <a:custGeom>
+            <a:avLst/>
+            <a:gdLst>
+              <a:gd name="T0" fmla="*/ 0 w 625"/>
+              <a:gd name="T1" fmla="*/ 2147483647 h 495"/>
+              <a:gd name="T2" fmla="*/ 2147483647 w 625"/>
+              <a:gd name="T3" fmla="*/ 2147483647 h 495"/>
+              <a:gd name="T4" fmla="*/ 2147483647 w 625"/>
+              <a:gd name="T5" fmla="*/ 2147483647 h 495"/>
+              <a:gd name="T6" fmla="*/ 2147483647 w 625"/>
+              <a:gd name="T7" fmla="*/ 2147483647 h 495"/>
+              <a:gd name="T8" fmla="*/ 2147483647 w 625"/>
+              <a:gd name="T9" fmla="*/ 2147483647 h 495"/>
+              <a:gd name="T10" fmla="*/ 2147483647 w 625"/>
+              <a:gd name="T11" fmla="*/ 2147483647 h 495"/>
+              <a:gd name="T12" fmla="*/ 2147483647 w 625"/>
+              <a:gd name="T13" fmla="*/ 2147483647 h 495"/>
+              <a:gd name="T14" fmla="*/ 2147483647 w 625"/>
+              <a:gd name="T15" fmla="*/ 2147483647 h 495"/>
+              <a:gd name="T16" fmla="*/ 2147483647 w 625"/>
+              <a:gd name="T17" fmla="*/ 2147483647 h 495"/>
+              <a:gd name="T18" fmla="*/ 2147483647 w 625"/>
+              <a:gd name="T19" fmla="*/ 2147483647 h 495"/>
+              <a:gd name="T20" fmla="*/ 2147483647 w 625"/>
+              <a:gd name="T21" fmla="*/ 2147483647 h 495"/>
+              <a:gd name="T22" fmla="*/ 2147483647 w 625"/>
+              <a:gd name="T23" fmla="*/ 2147483647 h 495"/>
+              <a:gd name="T24" fmla="*/ 2147483647 w 625"/>
+              <a:gd name="T25" fmla="*/ 2147483647 h 495"/>
+              <a:gd name="T26" fmla="*/ 2147483647 w 625"/>
+              <a:gd name="T27" fmla="*/ 2147483647 h 495"/>
+              <a:gd name="T28" fmla="*/ 2147483647 w 625"/>
+              <a:gd name="T29" fmla="*/ 1772890328 h 495"/>
+              <a:gd name="T30" fmla="*/ 2147483647 w 625"/>
+              <a:gd name="T31" fmla="*/ 1283821987 h 495"/>
+              <a:gd name="T32" fmla="*/ 2147483647 w 625"/>
+              <a:gd name="T33" fmla="*/ 611339336 h 495"/>
+              <a:gd name="T34" fmla="*/ 2147483647 w 625"/>
+              <a:gd name="T35" fmla="*/ 0 h 495"/>
+              <a:gd name="T36" fmla="*/ 2147483647 w 625"/>
+              <a:gd name="T37" fmla="*/ 1956296820 h 495"/>
+              <a:gd name="T38" fmla="*/ 2147483647 w 625"/>
+              <a:gd name="T39" fmla="*/ 2147483647 h 495"/>
+              <a:gd name="T40" fmla="*/ 2147483647 w 625"/>
+              <a:gd name="T41" fmla="*/ 2147483647 h 495"/>
+              <a:gd name="T42" fmla="*/ 2147483647 w 625"/>
+              <a:gd name="T43" fmla="*/ 2147483647 h 495"/>
+              <a:gd name="T44" fmla="*/ 2147483647 w 625"/>
+              <a:gd name="T45" fmla="*/ 2147483647 h 495"/>
+              <a:gd name="T46" fmla="*/ 2147483647 w 625"/>
+              <a:gd name="T47" fmla="*/ 2147483647 h 495"/>
+              <a:gd name="T48" fmla="*/ 2147483647 w 625"/>
+              <a:gd name="T49" fmla="*/ 2147483647 h 495"/>
+              <a:gd name="T50" fmla="*/ 2147483647 w 625"/>
+              <a:gd name="T51" fmla="*/ 2147483647 h 495"/>
+              <a:gd name="T52" fmla="*/ 2147483647 w 625"/>
+              <a:gd name="T53" fmla="*/ 2147483647 h 495"/>
+              <a:gd name="T54" fmla="*/ 2147483647 w 625"/>
+              <a:gd name="T55" fmla="*/ 2147483647 h 495"/>
+              <a:gd name="T56" fmla="*/ 2147483647 w 625"/>
+              <a:gd name="T57" fmla="*/ 2147483647 h 495"/>
+              <a:gd name="T58" fmla="*/ 2147483647 w 625"/>
+              <a:gd name="T59" fmla="*/ 2147483647 h 495"/>
+              <a:gd name="T60" fmla="*/ 2147483647 w 625"/>
+              <a:gd name="T61" fmla="*/ 2147483647 h 495"/>
+              <a:gd name="T62" fmla="*/ 2147483647 w 625"/>
+              <a:gd name="T63" fmla="*/ 2147483647 h 495"/>
+              <a:gd name="T64" fmla="*/ 2147483647 w 625"/>
+              <a:gd name="T65" fmla="*/ 2147483647 h 495"/>
+              <a:gd name="T66" fmla="*/ 2147483647 w 625"/>
+              <a:gd name="T67" fmla="*/ 2147483647 h 495"/>
+              <a:gd name="T68" fmla="*/ 2147483647 w 625"/>
+              <a:gd name="T69" fmla="*/ 2147483647 h 495"/>
+              <a:gd name="T70" fmla="*/ 0 w 625"/>
+              <a:gd name="T71" fmla="*/ 2147483647 h 495"/>
+              <a:gd name="T72" fmla="*/ 0 w 625"/>
+              <a:gd name="T73" fmla="*/ 2147483647 h 495"/>
+              <a:gd name="T74" fmla="*/ 0 60000 65536"/>
+              <a:gd name="T75" fmla="*/ 0 60000 65536"/>
+              <a:gd name="T76" fmla="*/ 0 60000 65536"/>
+              <a:gd name="T77" fmla="*/ 0 60000 65536"/>
+              <a:gd name="T78" fmla="*/ 0 60000 65536"/>
+              <a:gd name="T79" fmla="*/ 0 60000 65536"/>
+              <a:gd name="T80" fmla="*/ 0 60000 65536"/>
+              <a:gd name="T81" fmla="*/ 0 60000 65536"/>
+              <a:gd name="T82" fmla="*/ 0 60000 65536"/>
+              <a:gd name="T83" fmla="*/ 0 60000 65536"/>
+              <a:gd name="T84" fmla="*/ 0 60000 65536"/>
+              <a:gd name="T85" fmla="*/ 0 60000 65536"/>
+              <a:gd name="T86" fmla="*/ 0 60000 65536"/>
+              <a:gd name="T87" fmla="*/ 0 60000 65536"/>
+              <a:gd name="T88" fmla="*/ 0 60000 65536"/>
+              <a:gd name="T89" fmla="*/ 0 60000 65536"/>
+              <a:gd name="T90" fmla="*/ 0 60000 65536"/>
+              <a:gd name="T91" fmla="*/ 0 60000 65536"/>
+              <a:gd name="T92" fmla="*/ 0 60000 65536"/>
+              <a:gd name="T93" fmla="*/ 0 60000 65536"/>
+              <a:gd name="T94" fmla="*/ 0 60000 65536"/>
+              <a:gd name="T95" fmla="*/ 0 60000 65536"/>
+              <a:gd name="T96" fmla="*/ 0 60000 65536"/>
+              <a:gd name="T97" fmla="*/ 0 60000 65536"/>
+              <a:gd name="T98" fmla="*/ 0 60000 65536"/>
+              <a:gd name="T99" fmla="*/ 0 60000 65536"/>
+              <a:gd name="T100" fmla="*/ 0 60000 65536"/>
+              <a:gd name="T101" fmla="*/ 0 60000 65536"/>
+              <a:gd name="T102" fmla="*/ 0 60000 65536"/>
+              <a:gd name="T103" fmla="*/ 0 60000 65536"/>
+              <a:gd name="T104" fmla="*/ 0 60000 65536"/>
+              <a:gd name="T105" fmla="*/ 0 60000 65536"/>
+              <a:gd name="T106" fmla="*/ 0 60000 65536"/>
+              <a:gd name="T107" fmla="*/ 0 60000 65536"/>
+              <a:gd name="T108" fmla="*/ 0 60000 65536"/>
+              <a:gd name="T109" fmla="*/ 0 60000 65536"/>
+              <a:gd name="T110" fmla="*/ 0 60000 65536"/>
+              <a:gd name="T111" fmla="*/ 0 w 625"/>
+              <a:gd name="T112" fmla="*/ 0 h 495"/>
+              <a:gd name="T113" fmla="*/ 625 w 625"/>
+              <a:gd name="T114" fmla="*/ 495 h 495"/>
+            </a:gdLst>
+            <a:ahLst/>
+            <a:cxnLst>
+              <a:cxn ang="T74">
+                <a:pos x="T0" y="T1"/>
+              </a:cxn>
+              <a:cxn ang="T75">
+                <a:pos x="T2" y="T3"/>
+              </a:cxn>
+              <a:cxn ang="T76">
+                <a:pos x="T4" y="T5"/>
+              </a:cxn>
+              <a:cxn ang="T77">
+                <a:pos x="T6" y="T7"/>
+              </a:cxn>
+              <a:cxn ang="T78">
+                <a:pos x="T8" y="T9"/>
+              </a:cxn>
+              <a:cxn ang="T79">
+                <a:pos x="T10" y="T11"/>
+              </a:cxn>
+              <a:cxn ang="T80">
+                <a:pos x="T12" y="T13"/>
+              </a:cxn>
+              <a:cxn ang="T81">
+                <a:pos x="T14" y="T15"/>
+              </a:cxn>
+              <a:cxn ang="T82">
+                <a:pos x="T16" y="T17"/>
+              </a:cxn>
+              <a:cxn ang="T83">
+                <a:pos x="T18" y="T19"/>
+              </a:cxn>
+              <a:cxn ang="T84">
+                <a:pos x="T20" y="T21"/>
+              </a:cxn>
+              <a:cxn ang="T85">
+                <a:pos x="T22" y="T23"/>
+              </a:cxn>
+              <a:cxn ang="T86">
+                <a:pos x="T24" y="T25"/>
+              </a:cxn>
+              <a:cxn ang="T87">
+                <a:pos x="T26" y="T27"/>
+              </a:cxn>
+              <a:cxn ang="T88">
+                <a:pos x="T28" y="T29"/>
+              </a:cxn>
+              <a:cxn ang="T89">
+                <a:pos x="T30" y="T31"/>
+              </a:cxn>
+              <a:cxn ang="T90">
+                <a:pos x="T32" y="T33"/>
+              </a:cxn>
+              <a:cxn ang="T91">
+                <a:pos x="T34" y="T35"/>
+              </a:cxn>
+              <a:cxn ang="T92">
+                <a:pos x="T36" y="T37"/>
+              </a:cxn>
+              <a:cxn ang="T93">
+                <a:pos x="T38" y="T39"/>
+              </a:cxn>
+              <a:cxn ang="T94">
+                <a:pos x="T40" y="T41"/>
+              </a:cxn>
+              <a:cxn ang="T95">
+                <a:pos x="T42" y="T43"/>
+              </a:cxn>
+              <a:cxn ang="T96">
+                <a:pos x="T44" y="T45"/>
+              </a:cxn>
+              <a:cxn ang="T97">
+                <a:pos x="T46" y="T47"/>
+              </a:cxn>
+              <a:cxn ang="T98">
+                <a:pos x="T48" y="T49"/>
+              </a:cxn>
+              <a:cxn ang="T99">
+                <a:pos x="T50" y="T51"/>
+              </a:cxn>
+              <a:cxn ang="T100">
+                <a:pos x="T52" y="T53"/>
+              </a:cxn>
+              <a:cxn ang="T101">
+                <a:pos x="T54" y="T55"/>
+              </a:cxn>
+              <a:cxn ang="T102">
+                <a:pos x="T56" y="T57"/>
+              </a:cxn>
+              <a:cxn ang="T103">
+                <a:pos x="T58" y="T59"/>
+              </a:cxn>
+              <a:cxn ang="T104">
+                <a:pos x="T60" y="T61"/>
+              </a:cxn>
+              <a:cxn ang="T105">
+                <a:pos x="T62" y="T63"/>
+              </a:cxn>
+              <a:cxn ang="T106">
+                <a:pos x="T64" y="T65"/>
+              </a:cxn>
+              <a:cxn ang="T107">
+                <a:pos x="T66" y="T67"/>
+              </a:cxn>
+              <a:cxn ang="T108">
+                <a:pos x="T68" y="T69"/>
+              </a:cxn>
+              <a:cxn ang="T109">
+                <a:pos x="T70" y="T71"/>
+              </a:cxn>
+              <a:cxn ang="T110">
+                <a:pos x="T72" y="T73"/>
+              </a:cxn>
+            </a:cxnLst>
+            <a:rect l="T111" t="T112" r="T113" b="T114"/>
+            <a:pathLst>
+              <a:path w="625" h="495">
+                <a:moveTo>
+                  <a:pt x="0" y="455"/>
+                </a:moveTo>
+                <a:lnTo>
+                  <a:pt x="117" y="455"/>
+                </a:lnTo>
+                <a:lnTo>
+                  <a:pt x="117" y="378"/>
+                </a:lnTo>
+                <a:lnTo>
+                  <a:pt x="117" y="337"/>
+                </a:lnTo>
+                <a:lnTo>
+                  <a:pt x="158" y="337"/>
+                </a:lnTo>
+                <a:lnTo>
+                  <a:pt x="235" y="337"/>
+                </a:lnTo>
+                <a:lnTo>
+                  <a:pt x="235" y="260"/>
+                </a:lnTo>
+                <a:lnTo>
+                  <a:pt x="235" y="219"/>
+                </a:lnTo>
+                <a:lnTo>
+                  <a:pt x="276" y="219"/>
+                </a:lnTo>
+                <a:lnTo>
+                  <a:pt x="353" y="219"/>
+                </a:lnTo>
+                <a:lnTo>
+                  <a:pt x="353" y="142"/>
+                </a:lnTo>
+                <a:lnTo>
+                  <a:pt x="353" y="101"/>
+                </a:lnTo>
+                <a:lnTo>
+                  <a:pt x="394" y="101"/>
+                </a:lnTo>
+                <a:lnTo>
+                  <a:pt x="495" y="101"/>
+                </a:lnTo>
+                <a:lnTo>
+                  <a:pt x="568" y="29"/>
+                </a:lnTo>
+                <a:lnTo>
+                  <a:pt x="560" y="21"/>
+                </a:lnTo>
+                <a:lnTo>
+                  <a:pt x="593" y="10"/>
+                </a:lnTo>
+                <a:lnTo>
+                  <a:pt x="625" y="0"/>
+                </a:lnTo>
+                <a:lnTo>
+                  <a:pt x="615" y="32"/>
+                </a:lnTo>
+                <a:lnTo>
+                  <a:pt x="604" y="65"/>
+                </a:lnTo>
+                <a:lnTo>
+                  <a:pt x="596" y="57"/>
+                </a:lnTo>
+                <a:lnTo>
+                  <a:pt x="512" y="142"/>
+                </a:lnTo>
+                <a:lnTo>
+                  <a:pt x="394" y="142"/>
+                </a:lnTo>
+                <a:lnTo>
+                  <a:pt x="394" y="219"/>
+                </a:lnTo>
+                <a:lnTo>
+                  <a:pt x="394" y="260"/>
+                </a:lnTo>
+                <a:lnTo>
+                  <a:pt x="353" y="260"/>
+                </a:lnTo>
+                <a:lnTo>
+                  <a:pt x="276" y="260"/>
+                </a:lnTo>
+                <a:lnTo>
+                  <a:pt x="276" y="337"/>
+                </a:lnTo>
+                <a:lnTo>
+                  <a:pt x="276" y="378"/>
+                </a:lnTo>
+                <a:lnTo>
+                  <a:pt x="235" y="378"/>
+                </a:lnTo>
+                <a:lnTo>
+                  <a:pt x="158" y="378"/>
+                </a:lnTo>
+                <a:lnTo>
+                  <a:pt x="158" y="455"/>
+                </a:lnTo>
+                <a:lnTo>
+                  <a:pt x="158" y="495"/>
+                </a:lnTo>
+                <a:lnTo>
+                  <a:pt x="117" y="495"/>
+                </a:lnTo>
+                <a:lnTo>
+                  <a:pt x="0" y="495"/>
+                </a:lnTo>
+                <a:lnTo>
+                  <a:pt x="0" y="455"/>
+                </a:lnTo>
+              </a:path>
+            </a:pathLst>
+          </a:custGeom>
+          <a:solidFill>
+            <a:schemeClr val="tx2"/>
+          </a:solidFill>
+          <a:ln>
+            <a:noFill/>
+          </a:ln>
+          <a:extLst/>
+        </p:spPr>
+        <p:txBody>
+          <a:bodyPr lIns="68543" tIns="34272" rIns="68543" bIns="34272" anchor="ctr"/>
+          <a:lstStyle/>
+          <a:p>
+            <a:endParaRPr lang="zh-CN" altLang="en-US"/>
+          </a:p>
+        </p:txBody>
+      </p:sp>
+      <p:sp>
+        <p:nvSpPr>
+          <p:cNvPr id="35" name="矩形 8"/>
+          <p:cNvSpPr>
+            <a:spLocks noChangeArrowheads="1"/>
+          </p:cNvSpPr>
+          <p:nvPr/>
+        </p:nvSpPr>
+        <p:spPr bwMode="auto">
+          <a:xfrm>
+            <a:off x="666289" y="3748189"/>
+            <a:ext cx="939926" cy="346212"/>
+          </a:xfrm>
+          <a:prstGeom prst="rect">
+            <a:avLst/>
+          </a:prstGeom>
+          <a:noFill/>
+          <a:ln>
+            <a:noFill/>
+          </a:ln>
+          <a:extLst>
+            <a:ext uri="{909E8E84-426E-40DD-AFC4-6F175D3DCCD1}">
+              <a14:hiddenFill xmlns:a14="http://schemas.microsoft.com/office/drawing/2010/main">
+                <a:solidFill>
+                  <a:srgbClr val="FFFFFF"/>
+                </a:solidFill>
+              </a14:hiddenFill>
+            </a:ext>
+            <a:ext uri="{91240B29-F687-4F45-9708-019B960494DF}">
+              <a14:hiddenLine xmlns:a14="http://schemas.microsoft.com/office/drawing/2010/main" w="9525">
+                <a:solidFill>
+                  <a:srgbClr val="000000"/>
+                </a:solidFill>
+                <a:miter lim="800000"/>
+                <a:headEnd/>
+                <a:tailEnd/>
+              </a14:hiddenLine>
+            </a:ext>
+          </a:extLst>
+        </p:spPr>
+        <p:txBody>
+          <a:bodyPr wrap="none" lIns="68543" tIns="34272" rIns="68543" bIns="34272">
+            <a:spAutoFit/>
+          </a:bodyPr>
+          <a:lstStyle/>
+          <a:p>
+            <a:pPr algn="ctr"/>
+            <a:r>
+              <a:rPr lang="en-US" altLang="zh-CN" b="1" dirty="0" smtClean="0">
+                <a:solidFill>
+                  <a:schemeClr val="tx1">
+                    <a:lumMod val="85000"/>
+                    <a:lumOff val="15000"/>
+                  </a:schemeClr>
+                </a:solidFill>
+                <a:latin typeface="微软雅黑" pitchFamily="34" charset="-122"/>
+                <a:ea typeface="微软雅黑" pitchFamily="34" charset="-122"/>
+                <a:sym typeface="微软雅黑" pitchFamily="34" charset="-122"/>
+              </a:rPr>
+              <a:t>2002</a:t>
+            </a:r>
+            <a:r>
+              <a:rPr lang="zh-CN" altLang="en-US" b="1" dirty="0" smtClean="0">
+                <a:solidFill>
+                  <a:schemeClr val="tx1">
+                    <a:lumMod val="85000"/>
+                    <a:lumOff val="15000"/>
+                  </a:schemeClr>
+                </a:solidFill>
+                <a:latin typeface="微软雅黑" pitchFamily="34" charset="-122"/>
+                <a:ea typeface="微软雅黑" pitchFamily="34" charset="-122"/>
+                <a:sym typeface="微软雅黑" pitchFamily="34" charset="-122"/>
+              </a:rPr>
+              <a:t>年</a:t>
+            </a:r>
+            <a:endParaRPr lang="zh-CN" altLang="en-US" b="1" dirty="0">
+              <a:solidFill>
+                <a:schemeClr val="tx1">
+                  <a:lumMod val="85000"/>
+                  <a:lumOff val="15000"/>
+                </a:schemeClr>
+              </a:solidFill>
+              <a:ea typeface="微软雅黑" pitchFamily="34" charset="-122"/>
+            </a:endParaRPr>
+          </a:p>
+        </p:txBody>
+      </p:sp>
+      <p:sp>
+        <p:nvSpPr>
+          <p:cNvPr id="55" name="矩形 9"/>
+          <p:cNvSpPr>
+            <a:spLocks noChangeArrowheads="1"/>
+          </p:cNvSpPr>
+          <p:nvPr/>
+        </p:nvSpPr>
+        <p:spPr bwMode="auto">
+          <a:xfrm>
+            <a:off x="1514890" y="2960494"/>
+            <a:ext cx="939926" cy="346212"/>
+          </a:xfrm>
+          <a:prstGeom prst="rect">
+            <a:avLst/>
+          </a:prstGeom>
+          <a:noFill/>
+          <a:ln>
+            <a:noFill/>
+          </a:ln>
+          <a:extLst>
+            <a:ext uri="{909E8E84-426E-40DD-AFC4-6F175D3DCCD1}">
+              <a14:hiddenFill xmlns:a14="http://schemas.microsoft.com/office/drawing/2010/main">
+                <a:solidFill>
+                  <a:srgbClr val="FFFFFF"/>
+                </a:solidFill>
+              </a14:hiddenFill>
+            </a:ext>
+            <a:ext uri="{91240B29-F687-4F45-9708-019B960494DF}">
+              <a14:hiddenLine xmlns:a14="http://schemas.microsoft.com/office/drawing/2010/main" w="9525">
+                <a:solidFill>
+                  <a:srgbClr val="000000"/>
+                </a:solidFill>
+                <a:miter lim="800000"/>
+                <a:headEnd/>
+                <a:tailEnd/>
+              </a14:hiddenLine>
+            </a:ext>
+          </a:extLst>
+        </p:spPr>
+        <p:txBody>
+          <a:bodyPr wrap="none" lIns="68543" tIns="34272" rIns="68543" bIns="34272">
+            <a:spAutoFit/>
+          </a:bodyPr>
+          <a:lstStyle/>
+          <a:p>
+            <a:pPr algn="ctr" latinLnBrk="1">
+              <a:buClr>
+                <a:srgbClr val="FF0000"/>
+              </a:buClr>
+              <a:buSzPct val="70000"/>
+            </a:pPr>
+            <a:r>
+              <a:rPr lang="en-US" altLang="zh-CN" b="1" dirty="0" smtClean="0">
+                <a:solidFill>
+                  <a:schemeClr val="tx1">
+                    <a:lumMod val="85000"/>
+                    <a:lumOff val="15000"/>
+                  </a:schemeClr>
+                </a:solidFill>
+                <a:latin typeface="微软雅黑" pitchFamily="34" charset="-122"/>
+                <a:ea typeface="微软雅黑" pitchFamily="34" charset="-122"/>
+                <a:sym typeface="微软雅黑" pitchFamily="34" charset="-122"/>
+              </a:rPr>
+              <a:t>2014</a:t>
+            </a:r>
+            <a:r>
+              <a:rPr lang="zh-CN" altLang="en-US" b="1" dirty="0" smtClean="0">
+                <a:solidFill>
+                  <a:schemeClr val="tx1">
+                    <a:lumMod val="85000"/>
+                    <a:lumOff val="15000"/>
+                  </a:schemeClr>
+                </a:solidFill>
+                <a:latin typeface="微软雅黑" pitchFamily="34" charset="-122"/>
+                <a:ea typeface="微软雅黑" pitchFamily="34" charset="-122"/>
+                <a:sym typeface="微软雅黑" pitchFamily="34" charset="-122"/>
+              </a:rPr>
+              <a:t>年</a:t>
+            </a:r>
+            <a:endParaRPr lang="zh-CN" altLang="en-US" b="1" dirty="0">
+              <a:solidFill>
+                <a:schemeClr val="tx1">
+                  <a:lumMod val="85000"/>
+                  <a:lumOff val="15000"/>
+                </a:schemeClr>
+              </a:solidFill>
+              <a:latin typeface="微软雅黑" pitchFamily="34" charset="-122"/>
+              <a:ea typeface="微软雅黑" pitchFamily="34" charset="-122"/>
+              <a:sym typeface="微软雅黑" pitchFamily="34" charset="-122"/>
+            </a:endParaRPr>
+          </a:p>
+        </p:txBody>
+      </p:sp>
+      <p:sp>
+        <p:nvSpPr>
+          <p:cNvPr id="56" name="矩形 10"/>
+          <p:cNvSpPr>
+            <a:spLocks noChangeArrowheads="1"/>
+          </p:cNvSpPr>
+          <p:nvPr/>
+        </p:nvSpPr>
+        <p:spPr bwMode="auto">
+          <a:xfrm>
+            <a:off x="2467808" y="2150592"/>
+            <a:ext cx="939926" cy="346212"/>
+          </a:xfrm>
+          <a:prstGeom prst="rect">
+            <a:avLst/>
+          </a:prstGeom>
+          <a:noFill/>
+          <a:ln>
+            <a:noFill/>
+          </a:ln>
+          <a:extLst>
+            <a:ext uri="{909E8E84-426E-40DD-AFC4-6F175D3DCCD1}">
+              <a14:hiddenFill xmlns:a14="http://schemas.microsoft.com/office/drawing/2010/main">
+                <a:solidFill>
+                  <a:srgbClr val="FFFFFF"/>
+                </a:solidFill>
+              </a14:hiddenFill>
+            </a:ext>
+            <a:ext uri="{91240B29-F687-4F45-9708-019B960494DF}">
+              <a14:hiddenLine xmlns:a14="http://schemas.microsoft.com/office/drawing/2010/main" w="9525">
+                <a:solidFill>
+                  <a:srgbClr val="000000"/>
+                </a:solidFill>
+                <a:miter lim="800000"/>
+                <a:headEnd/>
+                <a:tailEnd/>
+              </a14:hiddenLine>
+            </a:ext>
+          </a:extLst>
+        </p:spPr>
+        <p:txBody>
+          <a:bodyPr wrap="none" lIns="68543" tIns="34272" rIns="68543" bIns="34272">
+            <a:spAutoFit/>
+          </a:bodyPr>
+          <a:lstStyle/>
+          <a:p>
+            <a:pPr algn="ctr" latinLnBrk="1">
+              <a:buClr>
+                <a:srgbClr val="FF0000"/>
+              </a:buClr>
+              <a:buSzPct val="70000"/>
+            </a:pPr>
+            <a:r>
+              <a:rPr lang="en-US" altLang="zh-CN" b="1" dirty="0" smtClean="0">
+                <a:solidFill>
+                  <a:schemeClr val="tx1">
+                    <a:lumMod val="85000"/>
+                    <a:lumOff val="15000"/>
+                  </a:schemeClr>
+                </a:solidFill>
+                <a:latin typeface="微软雅黑" pitchFamily="34" charset="-122"/>
+                <a:ea typeface="微软雅黑" pitchFamily="34" charset="-122"/>
+                <a:sym typeface="微软雅黑" pitchFamily="34" charset="-122"/>
+              </a:rPr>
+              <a:t>2015</a:t>
+            </a:r>
+            <a:r>
+              <a:rPr lang="zh-CN" altLang="en-US" b="1" dirty="0" smtClean="0">
+                <a:solidFill>
+                  <a:schemeClr val="tx1">
+                    <a:lumMod val="85000"/>
+                    <a:lumOff val="15000"/>
+                  </a:schemeClr>
+                </a:solidFill>
+                <a:latin typeface="微软雅黑" pitchFamily="34" charset="-122"/>
+                <a:ea typeface="微软雅黑" pitchFamily="34" charset="-122"/>
+                <a:sym typeface="微软雅黑" pitchFamily="34" charset="-122"/>
+              </a:rPr>
+              <a:t>年</a:t>
+            </a:r>
+            <a:endParaRPr lang="zh-CN" altLang="en-US" b="1" dirty="0">
+              <a:solidFill>
+                <a:schemeClr val="tx1">
+                  <a:lumMod val="85000"/>
+                  <a:lumOff val="15000"/>
+                </a:schemeClr>
+              </a:solidFill>
+            </a:endParaRPr>
+          </a:p>
+        </p:txBody>
+      </p:sp>
+      <p:sp>
+        <p:nvSpPr>
+          <p:cNvPr id="57" name="矩形 11"/>
+          <p:cNvSpPr>
+            <a:spLocks noChangeArrowheads="1"/>
+          </p:cNvSpPr>
+          <p:nvPr/>
+        </p:nvSpPr>
+        <p:spPr bwMode="auto">
+          <a:xfrm>
+            <a:off x="3439410" y="1318482"/>
+            <a:ext cx="939926" cy="346212"/>
+          </a:xfrm>
+          <a:prstGeom prst="rect">
+            <a:avLst/>
+          </a:prstGeom>
+          <a:noFill/>
+          <a:ln>
+            <a:noFill/>
+          </a:ln>
+          <a:extLst>
+            <a:ext uri="{909E8E84-426E-40DD-AFC4-6F175D3DCCD1}">
+              <a14:hiddenFill xmlns:a14="http://schemas.microsoft.com/office/drawing/2010/main">
+                <a:solidFill>
+                  <a:srgbClr val="FFFFFF"/>
+                </a:solidFill>
+              </a14:hiddenFill>
+            </a:ext>
+            <a:ext uri="{91240B29-F687-4F45-9708-019B960494DF}">
+              <a14:hiddenLine xmlns:a14="http://schemas.microsoft.com/office/drawing/2010/main" w="9525">
+                <a:solidFill>
+                  <a:srgbClr val="000000"/>
+                </a:solidFill>
+                <a:miter lim="800000"/>
+                <a:headEnd/>
+                <a:tailEnd/>
+              </a14:hiddenLine>
+            </a:ext>
+          </a:extLst>
+        </p:spPr>
+        <p:txBody>
+          <a:bodyPr wrap="none" lIns="68543" tIns="34272" rIns="68543" bIns="34272">
+            <a:spAutoFit/>
+          </a:bodyPr>
+          <a:lstStyle/>
+          <a:p>
+            <a:pPr algn="ctr" latinLnBrk="1">
+              <a:buClr>
+                <a:srgbClr val="FF0000"/>
+              </a:buClr>
+              <a:buSzPct val="70000"/>
+              <a:buFont typeface="Wingdings" pitchFamily="2" charset="2"/>
+              <a:buNone/>
+            </a:pPr>
+            <a:r>
+              <a:rPr lang="en-US" altLang="zh-CN" b="1" dirty="0" smtClean="0">
+                <a:solidFill>
+                  <a:schemeClr val="tx1">
+                    <a:lumMod val="85000"/>
+                    <a:lumOff val="15000"/>
+                  </a:schemeClr>
+                </a:solidFill>
+                <a:latin typeface="微软雅黑" pitchFamily="34" charset="-122"/>
+                <a:ea typeface="微软雅黑" pitchFamily="34" charset="-122"/>
+                <a:sym typeface="微软雅黑" pitchFamily="34" charset="-122"/>
+              </a:rPr>
+              <a:t>2016</a:t>
+            </a:r>
+            <a:r>
+              <a:rPr lang="zh-CN" altLang="en-US" b="1" dirty="0" smtClean="0">
+                <a:solidFill>
+                  <a:schemeClr val="tx1">
+                    <a:lumMod val="85000"/>
+                    <a:lumOff val="15000"/>
+                  </a:schemeClr>
+                </a:solidFill>
+                <a:latin typeface="微软雅黑" pitchFamily="34" charset="-122"/>
+                <a:ea typeface="微软雅黑" pitchFamily="34" charset="-122"/>
+                <a:sym typeface="微软雅黑" pitchFamily="34" charset="-122"/>
+              </a:rPr>
+              <a:t>年</a:t>
+            </a:r>
+            <a:endParaRPr lang="zh-CN" altLang="en-US" b="1" dirty="0">
+              <a:solidFill>
+                <a:schemeClr val="tx1">
+                  <a:lumMod val="85000"/>
+                  <a:lumOff val="15000"/>
+                </a:schemeClr>
+              </a:solidFill>
+              <a:latin typeface="微软雅黑" pitchFamily="34" charset="-122"/>
+              <a:ea typeface="微软雅黑" pitchFamily="34" charset="-122"/>
+              <a:sym typeface="微软雅黑" pitchFamily="34" charset="-122"/>
+            </a:endParaRPr>
+          </a:p>
+        </p:txBody>
+      </p:sp>
+      <p:sp>
+        <p:nvSpPr>
+          <p:cNvPr id="58" name="Text Box 30"/>
+          <p:cNvSpPr>
+            <a:spLocks noChangeArrowheads="1"/>
+          </p:cNvSpPr>
+          <p:nvPr/>
+        </p:nvSpPr>
+        <p:spPr bwMode="auto">
+          <a:xfrm>
+            <a:off x="3837748" y="2082072"/>
+            <a:ext cx="2083699" cy="623211"/>
+          </a:xfrm>
+          <a:prstGeom prst="rect">
+            <a:avLst/>
+          </a:prstGeom>
+          <a:noFill/>
+          <a:ln>
+            <a:noFill/>
+          </a:ln>
+          <a:extLst>
+            <a:ext uri="{909E8E84-426E-40DD-AFC4-6F175D3DCCD1}">
+              <a14:hiddenFill xmlns:a14="http://schemas.microsoft.com/office/drawing/2010/main">
+                <a:solidFill>
+                  <a:srgbClr val="FFFFFF"/>
+                </a:solidFill>
+              </a14:hiddenFill>
+            </a:ext>
+            <a:ext uri="{91240B29-F687-4F45-9708-019B960494DF}">
+              <a14:hiddenLine xmlns:a14="http://schemas.microsoft.com/office/drawing/2010/main" w="9525">
+                <a:solidFill>
+                  <a:srgbClr val="000000"/>
+                </a:solidFill>
+                <a:miter lim="800000"/>
+                <a:headEnd/>
+                <a:tailEnd/>
+              </a14:hiddenLine>
+            </a:ext>
+          </a:extLst>
+        </p:spPr>
+        <p:txBody>
+          <a:bodyPr lIns="68543" tIns="34272" rIns="68543" bIns="34272">
+            <a:spAutoFit/>
+          </a:bodyPr>
+          <a:lstStyle/>
+          <a:p>
+            <a:pPr latinLnBrk="1">
+              <a:buClr>
+                <a:srgbClr val="FF0000"/>
+              </a:buClr>
+              <a:buSzPct val="70000"/>
+            </a:pPr>
+            <a:r>
+              <a:rPr lang="en-US" altLang="zh-CN" b="1" dirty="0" smtClean="0">
+                <a:solidFill>
+                  <a:srgbClr val="000000"/>
+                </a:solidFill>
+                <a:latin typeface="微软雅黑" pitchFamily="34" charset="-122"/>
+                <a:ea typeface="微软雅黑" pitchFamily="34" charset="-122"/>
+                <a:sym typeface="微软雅黑" pitchFamily="34" charset="-122"/>
+              </a:rPr>
+              <a:t>Android</a:t>
+            </a:r>
+            <a:r>
+              <a:rPr lang="zh-CN" altLang="en-US" b="1" dirty="0" smtClean="0">
+                <a:solidFill>
+                  <a:srgbClr val="000000"/>
+                </a:solidFill>
+                <a:latin typeface="微软雅黑" pitchFamily="34" charset="-122"/>
+                <a:ea typeface="微软雅黑" pitchFamily="34" charset="-122"/>
+                <a:sym typeface="微软雅黑" pitchFamily="34" charset="-122"/>
+              </a:rPr>
+              <a:t>市场</a:t>
+            </a:r>
+            <a:r>
+              <a:rPr lang="en-US" altLang="zh-CN" b="1" dirty="0" smtClean="0">
+                <a:solidFill>
+                  <a:srgbClr val="000000"/>
+                </a:solidFill>
+                <a:latin typeface="微软雅黑" pitchFamily="34" charset="-122"/>
+                <a:ea typeface="微软雅黑" pitchFamily="34" charset="-122"/>
+                <a:sym typeface="微软雅黑" pitchFamily="34" charset="-122"/>
+              </a:rPr>
+              <a:t>84.4%</a:t>
+            </a:r>
+            <a:endParaRPr lang="zh-CN" altLang="en-US" dirty="0"/>
+          </a:p>
+        </p:txBody>
+      </p:sp>
+      <p:sp>
+        <p:nvSpPr>
+          <p:cNvPr id="59" name="Text Box 30"/>
+          <p:cNvSpPr>
+            <a:spLocks noChangeArrowheads="1"/>
+          </p:cNvSpPr>
+          <p:nvPr/>
+        </p:nvSpPr>
+        <p:spPr bwMode="auto">
+          <a:xfrm>
+            <a:off x="2002500" y="3697376"/>
+            <a:ext cx="2513291" cy="623211"/>
+          </a:xfrm>
+          <a:prstGeom prst="rect">
+            <a:avLst/>
+          </a:prstGeom>
+          <a:noFill/>
+          <a:ln>
+            <a:noFill/>
+          </a:ln>
+          <a:extLst>
+            <a:ext uri="{909E8E84-426E-40DD-AFC4-6F175D3DCCD1}">
+              <a14:hiddenFill xmlns:a14="http://schemas.microsoft.com/office/drawing/2010/main">
+                <a:solidFill>
+                  <a:srgbClr val="FFFFFF"/>
+                </a:solidFill>
+              </a14:hiddenFill>
+            </a:ext>
+            <a:ext uri="{91240B29-F687-4F45-9708-019B960494DF}">
+              <a14:hiddenLine xmlns:a14="http://schemas.microsoft.com/office/drawing/2010/main" w="9525">
+                <a:solidFill>
+                  <a:srgbClr val="000000"/>
+                </a:solidFill>
+                <a:miter lim="800000"/>
+                <a:headEnd/>
+                <a:tailEnd/>
+              </a14:hiddenLine>
+            </a:ext>
+          </a:extLst>
+        </p:spPr>
+        <p:txBody>
+          <a:bodyPr lIns="68543" tIns="34272" rIns="68543" bIns="34272">
+            <a:spAutoFit/>
+          </a:bodyPr>
+          <a:lstStyle/>
+          <a:p>
+            <a:pPr latinLnBrk="1">
+              <a:buClr>
+                <a:srgbClr val="FF0000"/>
+              </a:buClr>
+              <a:buSzPct val="70000"/>
+            </a:pPr>
+            <a:r>
+              <a:rPr lang="zh-CN" altLang="en-US" b="1" dirty="0" smtClean="0">
+                <a:solidFill>
+                  <a:srgbClr val="000000"/>
+                </a:solidFill>
+                <a:latin typeface="微软雅黑" pitchFamily="34" charset="-122"/>
+                <a:ea typeface="微软雅黑" pitchFamily="34" charset="-122"/>
+                <a:sym typeface="微软雅黑" pitchFamily="34" charset="-122"/>
+              </a:rPr>
+              <a:t>每年有</a:t>
+            </a:r>
+            <a:r>
+              <a:rPr lang="en-US" altLang="zh-CN" b="1" dirty="0" smtClean="0">
+                <a:solidFill>
+                  <a:srgbClr val="000000"/>
+                </a:solidFill>
+                <a:latin typeface="微软雅黑" pitchFamily="34" charset="-122"/>
+                <a:ea typeface="微软雅黑" pitchFamily="34" charset="-122"/>
+                <a:sym typeface="微软雅黑" pitchFamily="34" charset="-122"/>
+              </a:rPr>
+              <a:t>700</a:t>
+            </a:r>
+            <a:r>
+              <a:rPr lang="zh-CN" altLang="en-US" b="1" dirty="0" smtClean="0">
+                <a:solidFill>
+                  <a:srgbClr val="000000"/>
+                </a:solidFill>
+                <a:latin typeface="微软雅黑" pitchFamily="34" charset="-122"/>
+                <a:ea typeface="微软雅黑" pitchFamily="34" charset="-122"/>
+                <a:sym typeface="微软雅黑" pitchFamily="34" charset="-122"/>
+              </a:rPr>
+              <a:t>万人成为盲人</a:t>
+            </a:r>
+            <a:endParaRPr lang="zh-CN" altLang="en-US" dirty="0"/>
+          </a:p>
+        </p:txBody>
+      </p:sp>
+      <p:sp>
+        <p:nvSpPr>
+          <p:cNvPr id="60" name="Text Box 30"/>
+          <p:cNvSpPr>
+            <a:spLocks noChangeArrowheads="1"/>
+          </p:cNvSpPr>
+          <p:nvPr/>
+        </p:nvSpPr>
+        <p:spPr bwMode="auto">
+          <a:xfrm>
+            <a:off x="653052" y="4457786"/>
+            <a:ext cx="2513291" cy="346212"/>
+          </a:xfrm>
+          <a:prstGeom prst="rect">
+            <a:avLst/>
+          </a:prstGeom>
+          <a:noFill/>
+          <a:ln>
+            <a:noFill/>
+          </a:ln>
+          <a:extLst>
+            <a:ext uri="{909E8E84-426E-40DD-AFC4-6F175D3DCCD1}">
+              <a14:hiddenFill xmlns:a14="http://schemas.microsoft.com/office/drawing/2010/main">
+                <a:solidFill>
+                  <a:srgbClr val="FFFFFF"/>
+                </a:solidFill>
+              </a14:hiddenFill>
+            </a:ext>
+            <a:ext uri="{91240B29-F687-4F45-9708-019B960494DF}">
+              <a14:hiddenLine xmlns:a14="http://schemas.microsoft.com/office/drawing/2010/main" w="9525">
+                <a:solidFill>
+                  <a:srgbClr val="000000"/>
+                </a:solidFill>
+                <a:miter lim="800000"/>
+                <a:headEnd/>
+                <a:tailEnd/>
+              </a14:hiddenLine>
+            </a:ext>
+          </a:extLst>
+        </p:spPr>
+        <p:txBody>
+          <a:bodyPr lIns="68543" tIns="34272" rIns="68543" bIns="34272">
+            <a:spAutoFit/>
+          </a:bodyPr>
+          <a:lstStyle/>
+          <a:p>
+            <a:pPr latinLnBrk="1">
+              <a:buClr>
+                <a:srgbClr val="FF0000"/>
+              </a:buClr>
+              <a:buSzPct val="70000"/>
+            </a:pPr>
+            <a:r>
+              <a:rPr lang="en-US" altLang="zh-CN" b="1" dirty="0" smtClean="0">
+                <a:solidFill>
+                  <a:srgbClr val="000000"/>
+                </a:solidFill>
+                <a:latin typeface="微软雅黑" pitchFamily="34" charset="-122"/>
+                <a:ea typeface="微软雅黑" pitchFamily="34" charset="-122"/>
+                <a:sym typeface="微软雅黑" pitchFamily="34" charset="-122"/>
+              </a:rPr>
+              <a:t>1.8</a:t>
+            </a:r>
+            <a:r>
+              <a:rPr lang="zh-CN" altLang="en-US" b="1" dirty="0" smtClean="0">
+                <a:solidFill>
+                  <a:srgbClr val="000000"/>
+                </a:solidFill>
+                <a:latin typeface="微软雅黑" pitchFamily="34" charset="-122"/>
+                <a:ea typeface="微软雅黑" pitchFamily="34" charset="-122"/>
+                <a:sym typeface="微软雅黑" pitchFamily="34" charset="-122"/>
+              </a:rPr>
+              <a:t>亿视力毛病用户</a:t>
+            </a:r>
+            <a:endParaRPr lang="zh-CN" altLang="en-US" dirty="0"/>
+          </a:p>
+        </p:txBody>
+      </p:sp>
+      <p:sp>
+        <p:nvSpPr>
+          <p:cNvPr id="61" name="矩形 60"/>
+          <p:cNvSpPr/>
+          <p:nvPr/>
+        </p:nvSpPr>
+        <p:spPr>
+          <a:xfrm>
+            <a:off x="6084168" y="1821550"/>
+            <a:ext cx="2484191" cy="1989739"/>
+          </a:xfrm>
+          <a:prstGeom prst="rect">
+            <a:avLst/>
+          </a:prstGeom>
+        </p:spPr>
+        <p:txBody>
+          <a:bodyPr wrap="square" lIns="68543" tIns="34272" rIns="68543" bIns="34272">
+            <a:spAutoFit/>
+          </a:bodyPr>
+          <a:lstStyle/>
+          <a:p>
+            <a:pPr lvl="0">
+              <a:lnSpc>
+                <a:spcPct val="130000"/>
+              </a:lnSpc>
+            </a:pPr>
+            <a:r>
+              <a:rPr lang="en-US" altLang="zh-CN" sz="1200" dirty="0"/>
+              <a:t>2002</a:t>
+            </a:r>
+            <a:r>
+              <a:rPr lang="zh-CN" altLang="en-US" sz="1200" dirty="0"/>
+              <a:t>年世界卫生组织公布的统计，目前全球共有盲人近</a:t>
+            </a:r>
+            <a:r>
+              <a:rPr lang="en-US" altLang="zh-CN" sz="1200" dirty="0"/>
+              <a:t>4500</a:t>
+            </a:r>
+            <a:r>
+              <a:rPr lang="zh-CN" altLang="en-US" sz="1200" dirty="0"/>
+              <a:t>万，有各种各样视力毛病的人则多达</a:t>
+            </a:r>
+            <a:r>
+              <a:rPr lang="en-US" altLang="zh-CN" sz="1200" dirty="0"/>
+              <a:t>1</a:t>
+            </a:r>
+            <a:r>
+              <a:rPr lang="zh-CN" altLang="en-US" sz="1200" dirty="0"/>
+              <a:t>．</a:t>
+            </a:r>
+            <a:r>
+              <a:rPr lang="en-US" altLang="zh-CN" sz="1200" dirty="0"/>
+              <a:t>8</a:t>
+            </a:r>
+            <a:r>
+              <a:rPr lang="zh-CN" altLang="en-US" sz="1200" dirty="0"/>
+              <a:t>亿，并且全球每年有</a:t>
+            </a:r>
+            <a:r>
+              <a:rPr lang="en-US" altLang="zh-CN" sz="1200" dirty="0"/>
+              <a:t>700</a:t>
+            </a:r>
+            <a:r>
+              <a:rPr lang="zh-CN" altLang="en-US" sz="1200" dirty="0"/>
+              <a:t>万人成为盲人</a:t>
+            </a:r>
+            <a:r>
+              <a:rPr lang="zh-CN" altLang="en-US" sz="1200" dirty="0" smtClean="0"/>
+              <a:t>。互联网普及率日益增多，</a:t>
+            </a:r>
+            <a:r>
+              <a:rPr lang="en-US" altLang="zh-CN" sz="1200" dirty="0" smtClean="0"/>
+              <a:t>Android</a:t>
+            </a:r>
+            <a:r>
+              <a:rPr lang="zh-CN" altLang="en-US" sz="1200" dirty="0" smtClean="0"/>
+              <a:t>系统随着升级越来越流畅，并且</a:t>
+            </a:r>
+            <a:r>
+              <a:rPr lang="en-US" altLang="zh-CN" sz="1200" dirty="0"/>
+              <a:t>Android</a:t>
+            </a:r>
+            <a:r>
+              <a:rPr lang="zh-CN" altLang="en-US" sz="1200" dirty="0"/>
+              <a:t>手机</a:t>
+            </a:r>
+            <a:r>
+              <a:rPr lang="zh-CN" altLang="en-US" sz="1200" dirty="0" smtClean="0"/>
+              <a:t>的现在市场</a:t>
+            </a:r>
+            <a:r>
+              <a:rPr lang="zh-CN" altLang="en-US" sz="1200" dirty="0"/>
+              <a:t>占有率高达</a:t>
+            </a:r>
+            <a:r>
+              <a:rPr lang="en-US" altLang="zh-CN" sz="1200" dirty="0"/>
+              <a:t>84.4%</a:t>
+            </a:r>
+            <a:r>
+              <a:rPr lang="zh-CN" altLang="en-US" sz="1200" dirty="0" smtClean="0">
+                <a:solidFill>
+                  <a:sysClr val="windowText" lastClr="000000"/>
+                </a:solidFill>
+                <a:latin typeface="微软雅黑" pitchFamily="34" charset="-122"/>
+                <a:ea typeface="微软雅黑" pitchFamily="34" charset="-122"/>
+              </a:rPr>
+              <a:t>。</a:t>
+            </a:r>
+            <a:endParaRPr lang="zh-CN" altLang="en-US" sz="1200" dirty="0">
+              <a:solidFill>
+                <a:sysClr val="windowText" lastClr="000000"/>
+              </a:solidFill>
+              <a:latin typeface="微软雅黑" pitchFamily="34" charset="-122"/>
+              <a:ea typeface="微软雅黑" pitchFamily="34" charset="-122"/>
+            </a:endParaRPr>
+          </a:p>
+        </p:txBody>
+      </p:sp>
+      <p:sp>
+        <p:nvSpPr>
+          <p:cNvPr id="15" name="TextBox 14"/>
+          <p:cNvSpPr txBox="1"/>
+          <p:nvPr/>
+        </p:nvSpPr>
+        <p:spPr>
+          <a:xfrm>
+            <a:off x="-7035" y="94637"/>
+            <a:ext cx="2386723" cy="430374"/>
+          </a:xfrm>
+          <a:prstGeom prst="rect">
+            <a:avLst/>
+          </a:prstGeom>
+          <a:noFill/>
+        </p:spPr>
+        <p:txBody>
+          <a:bodyPr wrap="square" rtlCol="0">
+            <a:spAutoFit/>
+          </a:bodyPr>
+          <a:lstStyle/>
+          <a:p>
+            <a:pPr>
+              <a:lnSpc>
+                <a:spcPct val="120000"/>
+              </a:lnSpc>
+            </a:pPr>
+            <a:r>
+              <a:rPr lang="zh-CN" altLang="en-US" sz="2000" b="1" dirty="0">
+                <a:solidFill>
+                  <a:schemeClr val="tx1">
+                    <a:lumMod val="75000"/>
+                    <a:lumOff val="25000"/>
+                  </a:schemeClr>
+                </a:solidFill>
+              </a:rPr>
+              <a:t>用户</a:t>
+            </a:r>
+            <a:r>
+              <a:rPr lang="zh-CN" altLang="en-US" sz="2000" b="1" dirty="0" smtClean="0">
+                <a:solidFill>
+                  <a:schemeClr val="tx1">
+                    <a:lumMod val="75000"/>
+                    <a:lumOff val="25000"/>
+                  </a:schemeClr>
+                </a:solidFill>
+              </a:rPr>
+              <a:t>基数</a:t>
+            </a:r>
+            <a:endParaRPr lang="zh-CN" altLang="en-US" sz="2000" b="1" dirty="0" smtClean="0">
+              <a:solidFill>
+                <a:schemeClr val="tx1">
+                  <a:lumMod val="75000"/>
+                  <a:lumOff val="25000"/>
+                </a:schemeClr>
+              </a:solidFill>
+            </a:endParaRPr>
+          </a:p>
+        </p:txBody>
+      </p:sp>
+    </p:spTree>
+    <p:extLst>
+      <p:ext uri="{BB962C8B-B14F-4D97-AF65-F5344CB8AC3E}">
+        <p14:creationId xmlns:p14="http://schemas.microsoft.com/office/powerpoint/2010/main" val="3884701654"/>
+      </p:ext>
+    </p:extLst>
+  </p:cSld>
+  <p:clrMapOvr>
+    <a:masterClrMapping/>
+  </p:clrMapOvr>
+  <p:transition spd="slow">
+    <p:cover/>
+  </p:transition>
+  <p:timing>
+    <p:tnLst>
+      <p:par>
+        <p:cTn id="1" dur="indefinite" restart="never" nodeType="tmRoot">
+          <p:childTnLst>
+            <p:seq concurrent="1" nextAc="seek">
+              <p:cTn id="2" dur="indefinite" nodeType="mainSeq">
+                <p:childTnLst>
+                  <p:par>
+                    <p:cTn id="3" fill="hold">
+                      <p:stCondLst>
+                        <p:cond delay="indefinite"/>
+                        <p:cond evt="onBegin" delay="0">
+                          <p:tn val="2"/>
+                        </p:cond>
+                      </p:stCondLst>
+                      <p:childTnLst>
+                        <p:par>
+                          <p:cTn id="4" fill="hold">
+                            <p:stCondLst>
+                              <p:cond delay="0"/>
+                            </p:stCondLst>
+                            <p:childTnLst>
+                              <p:par>
+                                <p:cTn id="5" presetID="22" presetClass="entr" presetSubtype="4" fill="hold" grpId="0" nodeType="withEffect">
+                                  <p:stCondLst>
+                                    <p:cond delay="0"/>
+                                  </p:stCondLst>
+                                  <p:childTnLst>
+                                    <p:set>
+                                      <p:cBhvr>
+                                        <p:cTn id="6" dur="1" fill="hold">
+                                          <p:stCondLst>
+                                            <p:cond delay="0"/>
+                                          </p:stCondLst>
+                                        </p:cTn>
+                                        <p:tgtEl>
+                                          <p:spTgt spid="33"/>
+                                        </p:tgtEl>
+                                        <p:attrNameLst>
+                                          <p:attrName>style.visibility</p:attrName>
+                                        </p:attrNameLst>
+                                      </p:cBhvr>
+                                      <p:to>
+                                        <p:strVal val="visible"/>
+                                      </p:to>
+                                    </p:set>
+                                    <p:animEffect>
+                                      <p:cBhvr>
+                                        <p:cTn id="7" dur="750"/>
+                                        <p:tgtEl>
+                                          <p:spTgt spid="33"/>
+                                        </p:tgtEl>
+                                      </p:cBhvr>
+                                    </p:animEffect>
+                                  </p:childTnLst>
+                                </p:cTn>
+                              </p:par>
+                            </p:childTnLst>
+                          </p:cTn>
+                        </p:par>
+                        <p:par>
+                          <p:cTn id="8" fill="hold">
+                            <p:stCondLst>
+                              <p:cond delay="750"/>
+                            </p:stCondLst>
+                            <p:childTnLst>
+                              <p:par>
+                                <p:cTn id="9" presetID="2" presetClass="entr" presetSubtype="2" fill="hold" grpId="0" nodeType="afterEffect">
+                                  <p:stCondLst>
+                                    <p:cond delay="0"/>
+                                  </p:stCondLst>
+                                  <p:childTnLst>
+                                    <p:set>
+                                      <p:cBhvr>
+                                        <p:cTn id="10" dur="1" fill="hold">
+                                          <p:stCondLst>
+                                            <p:cond delay="0"/>
+                                          </p:stCondLst>
+                                        </p:cTn>
+                                        <p:tgtEl>
+                                          <p:spTgt spid="58"/>
+                                        </p:tgtEl>
+                                        <p:attrNameLst>
+                                          <p:attrName>style.visibility</p:attrName>
+                                        </p:attrNameLst>
+                                      </p:cBhvr>
+                                      <p:to>
+                                        <p:strVal val="visible"/>
+                                      </p:to>
+                                    </p:set>
+                                    <p:anim calcmode="lin" valueType="num">
+                                      <p:cBhvr>
+                                        <p:cTn id="11" dur="500" fill="hold"/>
+                                        <p:tgtEl>
+                                          <p:spTgt spid="58"/>
+                                        </p:tgtEl>
+                                        <p:attrNameLst>
+                                          <p:attrName>ppt_x</p:attrName>
+                                        </p:attrNameLst>
+                                      </p:cBhvr>
+                                      <p:tavLst>
+                                        <p:tav tm="0">
+                                          <p:val>
+                                            <p:strVal val="1+#ppt_w/2"/>
+                                          </p:val>
+                                        </p:tav>
+                                        <p:tav tm="100000">
+                                          <p:val>
+                                            <p:strVal val="#ppt_x"/>
+                                          </p:val>
+                                        </p:tav>
+                                      </p:tavLst>
+                                    </p:anim>
+                                    <p:anim calcmode="lin" valueType="num">
+                                      <p:cBhvr>
+                                        <p:cTn id="12" dur="500" fill="hold"/>
+                                        <p:tgtEl>
+                                          <p:spTgt spid="58"/>
+                                        </p:tgtEl>
+                                        <p:attrNameLst>
+                                          <p:attrName>ppt_y</p:attrName>
+                                        </p:attrNameLst>
+                                      </p:cBhvr>
+                                      <p:tavLst>
+                                        <p:tav tm="0">
+                                          <p:val>
+                                            <p:strVal val="#ppt_y"/>
+                                          </p:val>
+                                        </p:tav>
+                                        <p:tav tm="100000">
+                                          <p:val>
+                                            <p:strVal val="#ppt_y"/>
+                                          </p:val>
+                                        </p:tav>
+                                      </p:tavLst>
+                                    </p:anim>
+                                  </p:childTnLst>
+                                </p:cTn>
+                              </p:par>
+                              <p:par>
+                                <p:cTn id="13" presetID="2" presetClass="entr" presetSubtype="2" fill="hold" grpId="0" nodeType="withEffect">
+                                  <p:stCondLst>
+                                    <p:cond delay="250"/>
+                                  </p:stCondLst>
+                                  <p:childTnLst>
+                                    <p:set>
+                                      <p:cBhvr>
+                                        <p:cTn id="14" dur="1" fill="hold">
+                                          <p:stCondLst>
+                                            <p:cond delay="0"/>
+                                          </p:stCondLst>
+                                        </p:cTn>
+                                        <p:tgtEl>
+                                          <p:spTgt spid="27"/>
+                                        </p:tgtEl>
+                                        <p:attrNameLst>
+                                          <p:attrName>style.visibility</p:attrName>
+                                        </p:attrNameLst>
+                                      </p:cBhvr>
+                                      <p:to>
+                                        <p:strVal val="visible"/>
+                                      </p:to>
+                                    </p:set>
+                                    <p:anim calcmode="lin" valueType="num">
+                                      <p:cBhvr>
+                                        <p:cTn id="15" dur="500" fill="hold"/>
+                                        <p:tgtEl>
+                                          <p:spTgt spid="27"/>
+                                        </p:tgtEl>
+                                        <p:attrNameLst>
+                                          <p:attrName>ppt_x</p:attrName>
+                                        </p:attrNameLst>
+                                      </p:cBhvr>
+                                      <p:tavLst>
+                                        <p:tav tm="0">
+                                          <p:val>
+                                            <p:strVal val="1+#ppt_w/2"/>
+                                          </p:val>
+                                        </p:tav>
+                                        <p:tav tm="100000">
+                                          <p:val>
+                                            <p:strVal val="#ppt_x"/>
+                                          </p:val>
+                                        </p:tav>
+                                      </p:tavLst>
+                                    </p:anim>
+                                    <p:anim calcmode="lin" valueType="num">
+                                      <p:cBhvr>
+                                        <p:cTn id="16" dur="500" fill="hold"/>
+                                        <p:tgtEl>
+                                          <p:spTgt spid="27"/>
+                                        </p:tgtEl>
+                                        <p:attrNameLst>
+                                          <p:attrName>ppt_y</p:attrName>
+                                        </p:attrNameLst>
+                                      </p:cBhvr>
+                                      <p:tavLst>
+                                        <p:tav tm="0">
+                                          <p:val>
+                                            <p:strVal val="#ppt_y"/>
+                                          </p:val>
+                                        </p:tav>
+                                        <p:tav tm="100000">
+                                          <p:val>
+                                            <p:strVal val="#ppt_y"/>
+                                          </p:val>
+                                        </p:tav>
+                                      </p:tavLst>
+                                    </p:anim>
+                                  </p:childTnLst>
+                                </p:cTn>
+                              </p:par>
+                              <p:par>
+                                <p:cTn id="17" presetID="2" presetClass="entr" presetSubtype="2" fill="hold" grpId="0" nodeType="withEffect">
+                                  <p:stCondLst>
+                                    <p:cond delay="500"/>
+                                  </p:stCondLst>
+                                  <p:childTnLst>
+                                    <p:set>
+                                      <p:cBhvr>
+                                        <p:cTn id="18" dur="1" fill="hold">
+                                          <p:stCondLst>
+                                            <p:cond delay="0"/>
+                                          </p:stCondLst>
+                                        </p:cTn>
+                                        <p:tgtEl>
+                                          <p:spTgt spid="59"/>
+                                        </p:tgtEl>
+                                        <p:attrNameLst>
+                                          <p:attrName>style.visibility</p:attrName>
+                                        </p:attrNameLst>
+                                      </p:cBhvr>
+                                      <p:to>
+                                        <p:strVal val="visible"/>
+                                      </p:to>
+                                    </p:set>
+                                    <p:anim calcmode="lin" valueType="num">
+                                      <p:cBhvr>
+                                        <p:cTn id="19" dur="500" fill="hold"/>
+                                        <p:tgtEl>
+                                          <p:spTgt spid="59"/>
+                                        </p:tgtEl>
+                                        <p:attrNameLst>
+                                          <p:attrName>ppt_x</p:attrName>
+                                        </p:attrNameLst>
+                                      </p:cBhvr>
+                                      <p:tavLst>
+                                        <p:tav tm="0">
+                                          <p:val>
+                                            <p:strVal val="1+#ppt_w/2"/>
+                                          </p:val>
+                                        </p:tav>
+                                        <p:tav tm="100000">
+                                          <p:val>
+                                            <p:strVal val="#ppt_x"/>
+                                          </p:val>
+                                        </p:tav>
+                                      </p:tavLst>
+                                    </p:anim>
+                                    <p:anim calcmode="lin" valueType="num">
+                                      <p:cBhvr>
+                                        <p:cTn id="20" dur="500" fill="hold"/>
+                                        <p:tgtEl>
+                                          <p:spTgt spid="59"/>
+                                        </p:tgtEl>
+                                        <p:attrNameLst>
+                                          <p:attrName>ppt_y</p:attrName>
+                                        </p:attrNameLst>
+                                      </p:cBhvr>
+                                      <p:tavLst>
+                                        <p:tav tm="0">
+                                          <p:val>
+                                            <p:strVal val="#ppt_y"/>
+                                          </p:val>
+                                        </p:tav>
+                                        <p:tav tm="100000">
+                                          <p:val>
+                                            <p:strVal val="#ppt_y"/>
+                                          </p:val>
+                                        </p:tav>
+                                      </p:tavLst>
+                                    </p:anim>
+                                  </p:childTnLst>
+                                </p:cTn>
+                              </p:par>
+                              <p:par>
+                                <p:cTn id="21" presetID="2" presetClass="entr" presetSubtype="2" fill="hold" grpId="0" nodeType="withEffect">
+                                  <p:stCondLst>
+                                    <p:cond delay="750"/>
+                                  </p:stCondLst>
+                                  <p:childTnLst>
+                                    <p:set>
+                                      <p:cBhvr>
+                                        <p:cTn id="22" dur="1" fill="hold">
+                                          <p:stCondLst>
+                                            <p:cond delay="0"/>
+                                          </p:stCondLst>
+                                        </p:cTn>
+                                        <p:tgtEl>
+                                          <p:spTgt spid="60"/>
+                                        </p:tgtEl>
+                                        <p:attrNameLst>
+                                          <p:attrName>style.visibility</p:attrName>
+                                        </p:attrNameLst>
+                                      </p:cBhvr>
+                                      <p:to>
+                                        <p:strVal val="visible"/>
+                                      </p:to>
+                                    </p:set>
+                                    <p:anim calcmode="lin" valueType="num">
+                                      <p:cBhvr>
+                                        <p:cTn id="23" dur="500" fill="hold"/>
+                                        <p:tgtEl>
+                                          <p:spTgt spid="60"/>
+                                        </p:tgtEl>
+                                        <p:attrNameLst>
+                                          <p:attrName>ppt_x</p:attrName>
+                                        </p:attrNameLst>
+                                      </p:cBhvr>
+                                      <p:tavLst>
+                                        <p:tav tm="0">
+                                          <p:val>
+                                            <p:strVal val="1+#ppt_w/2"/>
+                                          </p:val>
+                                        </p:tav>
+                                        <p:tav tm="100000">
+                                          <p:val>
+                                            <p:strVal val="#ppt_x"/>
+                                          </p:val>
+                                        </p:tav>
+                                      </p:tavLst>
+                                    </p:anim>
+                                    <p:anim calcmode="lin" valueType="num">
+                                      <p:cBhvr>
+                                        <p:cTn id="24" dur="500" fill="hold"/>
+                                        <p:tgtEl>
+                                          <p:spTgt spid="60"/>
+                                        </p:tgtEl>
+                                        <p:attrNameLst>
+                                          <p:attrName>ppt_y</p:attrName>
+                                        </p:attrNameLst>
+                                      </p:cBhvr>
+                                      <p:tavLst>
+                                        <p:tav tm="0">
+                                          <p:val>
+                                            <p:strVal val="#ppt_y"/>
+                                          </p:val>
+                                        </p:tav>
+                                        <p:tav tm="100000">
+                                          <p:val>
+                                            <p:strVal val="#ppt_y"/>
+                                          </p:val>
+                                        </p:tav>
+                                      </p:tavLst>
+                                    </p:anim>
+                                  </p:childTnLst>
+                                </p:cTn>
+                              </p:par>
+                            </p:childTnLst>
+                          </p:cTn>
+                        </p:par>
+                        <p:par>
+                          <p:cTn id="25" fill="hold">
+                            <p:stCondLst>
+                              <p:cond delay="2000"/>
+                            </p:stCondLst>
+                            <p:childTnLst>
+                              <p:par>
+                                <p:cTn id="26" presetID="22" presetClass="entr" presetSubtype="8" fill="hold" grpId="0" nodeType="afterEffect">
+                                  <p:stCondLst>
+                                    <p:cond delay="0"/>
+                                  </p:stCondLst>
+                                  <p:childTnLst>
+                                    <p:set>
+                                      <p:cBhvr>
+                                        <p:cTn id="27" dur="1" fill="hold">
+                                          <p:stCondLst>
+                                            <p:cond delay="0"/>
+                                          </p:stCondLst>
+                                        </p:cTn>
+                                        <p:tgtEl>
+                                          <p:spTgt spid="61"/>
+                                        </p:tgtEl>
+                                        <p:attrNameLst>
+                                          <p:attrName>style.visibility</p:attrName>
+                                        </p:attrNameLst>
+                                      </p:cBhvr>
+                                      <p:to>
+                                        <p:strVal val="visible"/>
+                                      </p:to>
+                                    </p:set>
+                                    <p:animEffect transition="in" filter="wipe(left)">
+                                      <p:cBhvr>
+                                        <p:cTn id="28" dur="500"/>
+                                        <p:tgtEl>
+                                          <p:spTgt spid="61"/>
+                                        </p:tgtEl>
+                                      </p:cBhvr>
+                                    </p:animEffect>
+                                  </p:childTnLst>
+                                </p:cTn>
+                              </p:par>
+                            </p:childTnLst>
+                          </p:cTn>
+                        </p:par>
+                      </p:childTnLst>
+                    </p:cTn>
+                  </p:par>
+                </p:childTnLst>
+              </p:cTn>
+              <p:prevCondLst>
+                <p:cond evt="onPrev" delay="0">
+                  <p:tgtEl>
+                    <p:sldTgt/>
+                  </p:tgtEl>
+                </p:cond>
+              </p:prevCondLst>
+              <p:nextCondLst>
+                <p:cond evt="onNext" delay="0">
+                  <p:tgtEl>
+                    <p:sldTgt/>
+                  </p:tgtEl>
+                </p:cond>
+              </p:nextCondLst>
+            </p:seq>
+          </p:childTnLst>
+        </p:cTn>
+      </p:par>
+    </p:tnLst>
+    <p:bldLst>
+      <p:bldP spid="27" grpId="0" bldLvl="0" autoUpdateAnimBg="0"/>
+      <p:bldP spid="33" grpId="0" animBg="1"/>
+      <p:bldP spid="58" grpId="0" bldLvl="0" autoUpdateAnimBg="0"/>
+      <p:bldP spid="59" grpId="0" bldLvl="0" autoUpdateAnimBg="0"/>
+      <p:bldP spid="60" grpId="0" bldLvl="0" autoUpdateAnimBg="0"/>
+      <p:bldP spid="61" grpId="0"/>
+    </p:bldLst>
+  </p:timing>
+</p:sld>
+</file>
+
 <file path=ppt/slides/slide4.xml><?xml version="1.0" encoding="utf-8"?>
+<p:sld xmlns:a="http://schemas.openxmlformats.org/drawingml/2006/main" xmlns:r="http://schemas.openxmlformats.org/officeDocument/2006/relationships" xmlns:p="http://schemas.openxmlformats.org/presentationml/2006/main">
+  <p:cSld>
+    <p:spTree>
+      <p:nvGrpSpPr>
+        <p:cNvPr id="1" name=""/>
+        <p:cNvGrpSpPr/>
+        <p:nvPr/>
+      </p:nvGrpSpPr>
+      <p:grpSpPr>
+        <a:xfrm>
+          <a:off x="0" y="0"/>
+          <a:ext cx="0" cy="0"/>
+          <a:chOff x="0" y="0"/>
+          <a:chExt cx="0" cy="0"/>
+        </a:xfrm>
+      </p:grpSpPr>
+      <p:sp>
+        <p:nvSpPr>
+          <p:cNvPr id="17" name="右箭头 16"/>
+          <p:cNvSpPr>
+            <a:spLocks noChangeArrowheads="1"/>
+          </p:cNvSpPr>
+          <p:nvPr/>
+        </p:nvSpPr>
+        <p:spPr bwMode="auto">
+          <a:xfrm>
+            <a:off x="5201644" y="1558554"/>
+            <a:ext cx="1068242" cy="394495"/>
+          </a:xfrm>
+          <a:prstGeom prst="rightArrow">
+            <a:avLst>
+              <a:gd name="adj1" fmla="val 50000"/>
+              <a:gd name="adj2" fmla="val 50092"/>
+            </a:avLst>
+          </a:prstGeom>
+          <a:solidFill>
+            <a:schemeClr val="tx2"/>
+          </a:solidFill>
+          <a:ln>
+            <a:noFill/>
+          </a:ln>
+          <a:effectLst/>
+          <a:extLst/>
+        </p:spPr>
+        <p:txBody>
+          <a:bodyPr lIns="96171" tIns="48084" rIns="96171" bIns="48084" anchor="ctr"/>
+          <a:lstStyle/>
+          <a:p>
+            <a:pPr marL="0" marR="0" lvl="0" indent="0" algn="l" defTabSz="914400" rtl="0" eaLnBrk="1" fontAlgn="auto" latinLnBrk="0" hangingPunct="1">
+              <a:lnSpc>
+                <a:spcPct val="120000"/>
+              </a:lnSpc>
+              <a:spcBef>
+                <a:spcPts val="0"/>
+              </a:spcBef>
+              <a:spcAft>
+                <a:spcPts val="0"/>
+              </a:spcAft>
+              <a:buClrTx/>
+              <a:buSzTx/>
+              <a:buFontTx/>
+              <a:buNone/>
+              <a:tabLst/>
+              <a:defRPr/>
+            </a:pPr>
+            <a:endParaRPr kumimoji="0" lang="zh-CN" altLang="en-US" sz="1900" b="1" i="0" u="none" strike="noStrike" kern="0" cap="none" spc="0" normalizeH="0" baseline="0" noProof="0" dirty="0">
+              <a:ln>
+                <a:noFill/>
+              </a:ln>
+              <a:solidFill>
+                <a:sysClr val="window" lastClr="FFFFFF"/>
+              </a:solidFill>
+              <a:effectLst/>
+              <a:uLnTx/>
+              <a:uFillTx/>
+              <a:latin typeface="微软雅黑" pitchFamily="34" charset="-122"/>
+              <a:ea typeface="微软雅黑" pitchFamily="34" charset="-122"/>
+              <a:cs typeface="+mn-cs"/>
+            </a:endParaRPr>
+          </a:p>
+        </p:txBody>
+      </p:sp>
+      <p:sp>
+        <p:nvSpPr>
+          <p:cNvPr id="18" name="右箭头 17"/>
+          <p:cNvSpPr>
+            <a:spLocks noChangeArrowheads="1"/>
+          </p:cNvSpPr>
+          <p:nvPr/>
+        </p:nvSpPr>
+        <p:spPr bwMode="auto">
+          <a:xfrm flipH="1">
+            <a:off x="2842540" y="2150295"/>
+            <a:ext cx="872204" cy="392809"/>
+          </a:xfrm>
+          <a:prstGeom prst="rightArrow">
+            <a:avLst>
+              <a:gd name="adj1" fmla="val 55061"/>
+              <a:gd name="adj2" fmla="val 50064"/>
+            </a:avLst>
+          </a:prstGeom>
+          <a:solidFill>
+            <a:schemeClr val="tx2"/>
+          </a:solidFill>
+          <a:ln>
+            <a:noFill/>
+          </a:ln>
+          <a:effectLst/>
+          <a:extLst/>
+        </p:spPr>
+        <p:txBody>
+          <a:bodyPr lIns="96171" tIns="48084" rIns="96171" bIns="48084" anchor="ctr"/>
+          <a:lstStyle/>
+          <a:p>
+            <a:pPr marL="0" marR="0" lvl="0" indent="0" algn="l" defTabSz="914400" rtl="0" eaLnBrk="1" fontAlgn="auto" latinLnBrk="0" hangingPunct="1">
+              <a:lnSpc>
+                <a:spcPct val="120000"/>
+              </a:lnSpc>
+              <a:spcBef>
+                <a:spcPts val="0"/>
+              </a:spcBef>
+              <a:spcAft>
+                <a:spcPts val="0"/>
+              </a:spcAft>
+              <a:buClrTx/>
+              <a:buSzTx/>
+              <a:buFontTx/>
+              <a:buNone/>
+              <a:tabLst/>
+              <a:defRPr/>
+            </a:pPr>
+            <a:endParaRPr kumimoji="0" lang="zh-CN" altLang="en-US" sz="1900" b="1" i="0" u="none" strike="noStrike" kern="0" cap="none" spc="0" normalizeH="0" baseline="0" noProof="0" dirty="0">
+              <a:ln>
+                <a:noFill/>
+              </a:ln>
+              <a:solidFill>
+                <a:sysClr val="window" lastClr="FFFFFF"/>
+              </a:solidFill>
+              <a:effectLst/>
+              <a:uLnTx/>
+              <a:uFillTx/>
+              <a:latin typeface="微软雅黑" pitchFamily="34" charset="-122"/>
+              <a:ea typeface="微软雅黑" pitchFamily="34" charset="-122"/>
+              <a:cs typeface="+mn-cs"/>
+            </a:endParaRPr>
+          </a:p>
+        </p:txBody>
+      </p:sp>
+      <p:sp>
+        <p:nvSpPr>
+          <p:cNvPr id="19" name="椭圆 18"/>
+          <p:cNvSpPr>
+            <a:spLocks noChangeArrowheads="1"/>
+          </p:cNvSpPr>
+          <p:nvPr/>
+        </p:nvSpPr>
+        <p:spPr bwMode="auto">
+          <a:xfrm>
+            <a:off x="966885" y="1066279"/>
+            <a:ext cx="1875654" cy="1903351"/>
+          </a:xfrm>
+          <a:prstGeom prst="ellipse">
+            <a:avLst/>
+          </a:prstGeom>
+          <a:solidFill>
+            <a:schemeClr val="tx2"/>
+          </a:solidFill>
+          <a:ln>
+            <a:noFill/>
+          </a:ln>
+          <a:effectLst/>
+          <a:extLst/>
+        </p:spPr>
+        <p:txBody>
+          <a:bodyPr lIns="96171" tIns="48084" rIns="96171" bIns="48084" anchor="ctr"/>
+          <a:lstStyle/>
+          <a:p>
+            <a:pPr marL="0" marR="0" lvl="0" indent="0" algn="l" defTabSz="914400" rtl="0" eaLnBrk="1" fontAlgn="auto" latinLnBrk="0" hangingPunct="1">
+              <a:lnSpc>
+                <a:spcPct val="120000"/>
+              </a:lnSpc>
+              <a:spcBef>
+                <a:spcPts val="0"/>
+              </a:spcBef>
+              <a:spcAft>
+                <a:spcPts val="0"/>
+              </a:spcAft>
+              <a:buClrTx/>
+              <a:buSzTx/>
+              <a:buFontTx/>
+              <a:buNone/>
+              <a:tabLst/>
+              <a:defRPr/>
+            </a:pPr>
+            <a:r>
+              <a:rPr kumimoji="0" lang="zh-CN" altLang="en-US" sz="1900" b="0" i="0" u="none" strike="noStrike" kern="0" cap="none" spc="0" normalizeH="0" baseline="0" noProof="0" dirty="0" smtClean="0">
+                <a:ln>
+                  <a:noFill/>
+                </a:ln>
+                <a:solidFill>
+                  <a:srgbClr val="FFFFFF"/>
+                </a:solidFill>
+                <a:effectLst/>
+                <a:uLnTx/>
+                <a:uFillTx/>
+                <a:latin typeface="微软雅黑" pitchFamily="34" charset="-122"/>
+                <a:ea typeface="微软雅黑" pitchFamily="34" charset="-122"/>
+                <a:cs typeface="+mn-cs"/>
+              </a:rPr>
+              <a:t>升级之后无障碍消失</a:t>
+            </a:r>
+            <a:endParaRPr kumimoji="0" lang="zh-CN" altLang="en-US" sz="1900" b="0" i="0" u="none" strike="noStrike" kern="0" cap="none" spc="0" normalizeH="0" baseline="0" noProof="0" dirty="0">
+              <a:ln>
+                <a:noFill/>
+              </a:ln>
+              <a:solidFill>
+                <a:srgbClr val="FFFFFF"/>
+              </a:solidFill>
+              <a:effectLst/>
+              <a:uLnTx/>
+              <a:uFillTx/>
+              <a:latin typeface="微软雅黑" pitchFamily="34" charset="-122"/>
+              <a:ea typeface="微软雅黑" pitchFamily="34" charset="-122"/>
+              <a:cs typeface="+mn-cs"/>
+            </a:endParaRPr>
+          </a:p>
+        </p:txBody>
+      </p:sp>
+      <p:sp>
+        <p:nvSpPr>
+          <p:cNvPr id="20" name="椭圆 19"/>
+          <p:cNvSpPr>
+            <a:spLocks noChangeArrowheads="1"/>
+          </p:cNvSpPr>
+          <p:nvPr/>
+        </p:nvSpPr>
+        <p:spPr bwMode="auto">
+          <a:xfrm>
+            <a:off x="6333016" y="1066279"/>
+            <a:ext cx="1877315" cy="1903351"/>
+          </a:xfrm>
+          <a:prstGeom prst="ellipse">
+            <a:avLst/>
+          </a:prstGeom>
+          <a:solidFill>
+            <a:schemeClr val="tx2"/>
+          </a:solidFill>
+          <a:ln>
+            <a:noFill/>
+          </a:ln>
+          <a:effectLst/>
+          <a:extLst/>
+        </p:spPr>
+        <p:txBody>
+          <a:bodyPr lIns="96171" tIns="48084" rIns="96171" bIns="48084" anchor="ctr"/>
+          <a:lstStyle/>
+          <a:p>
+            <a:pPr marL="0" marR="0" lvl="0" indent="0" algn="l" defTabSz="914400" rtl="0" eaLnBrk="1" fontAlgn="auto" latinLnBrk="0" hangingPunct="1">
+              <a:lnSpc>
+                <a:spcPct val="120000"/>
+              </a:lnSpc>
+              <a:spcBef>
+                <a:spcPts val="0"/>
+              </a:spcBef>
+              <a:spcAft>
+                <a:spcPts val="0"/>
+              </a:spcAft>
+              <a:buClrTx/>
+              <a:buSzTx/>
+              <a:buFontTx/>
+              <a:buNone/>
+              <a:tabLst/>
+              <a:defRPr/>
+            </a:pPr>
+            <a:r>
+              <a:rPr kumimoji="0" lang="zh-CN" altLang="en-US" sz="1900" b="0" i="0" u="none" strike="noStrike" kern="0" cap="none" spc="0" normalizeH="0" baseline="0" noProof="0" dirty="0">
+                <a:ln>
+                  <a:noFill/>
+                </a:ln>
+                <a:solidFill>
+                  <a:srgbClr val="FFFFFF"/>
+                </a:solidFill>
+                <a:effectLst/>
+                <a:uLnTx/>
+                <a:uFillTx/>
+                <a:latin typeface="微软雅黑" pitchFamily="34" charset="-122"/>
+                <a:ea typeface="微软雅黑" pitchFamily="34" charset="-122"/>
+                <a:cs typeface="+mn-cs"/>
+              </a:rPr>
+              <a:t>  </a:t>
+            </a:r>
+            <a:r>
+              <a:rPr kumimoji="0" lang="zh-CN" altLang="en-US" sz="1900" b="0" i="0" u="none" strike="noStrike" kern="0" cap="none" spc="0" normalizeH="0" baseline="0" noProof="0" dirty="0" smtClean="0">
+                <a:ln>
+                  <a:noFill/>
+                </a:ln>
+                <a:solidFill>
+                  <a:srgbClr val="FFFFFF"/>
+                </a:solidFill>
+                <a:effectLst/>
+                <a:uLnTx/>
+                <a:uFillTx/>
+                <a:latin typeface="微软雅黑" pitchFamily="34" charset="-122"/>
+                <a:ea typeface="微软雅黑" pitchFamily="34" charset="-122"/>
+                <a:cs typeface="+mn-cs"/>
+              </a:rPr>
+              <a:t>特殊应用</a:t>
+            </a:r>
+            <a:endParaRPr kumimoji="0" lang="zh-CN" altLang="en-US" sz="1900" b="0" i="0" u="none" strike="noStrike" kern="0" cap="none" spc="0" normalizeH="0" baseline="0" noProof="0" dirty="0">
+              <a:ln>
+                <a:noFill/>
+              </a:ln>
+              <a:solidFill>
+                <a:srgbClr val="FFFFFF"/>
+              </a:solidFill>
+              <a:effectLst/>
+              <a:uLnTx/>
+              <a:uFillTx/>
+              <a:latin typeface="微软雅黑" pitchFamily="34" charset="-122"/>
+              <a:ea typeface="微软雅黑" pitchFamily="34" charset="-122"/>
+              <a:cs typeface="+mn-cs"/>
+            </a:endParaRPr>
+          </a:p>
+        </p:txBody>
+      </p:sp>
+      <p:sp>
+        <p:nvSpPr>
+          <p:cNvPr id="21" name="矩形 20"/>
+          <p:cNvSpPr/>
+          <p:nvPr/>
+        </p:nvSpPr>
+        <p:spPr>
+          <a:xfrm>
+            <a:off x="3714744" y="1428742"/>
+            <a:ext cx="1486900" cy="1245861"/>
+          </a:xfrm>
+          <a:prstGeom prst="rect">
+            <a:avLst/>
+          </a:prstGeom>
+          <a:solidFill>
+            <a:schemeClr val="bg2"/>
+          </a:solidFill>
+          <a:ln w="3175" cap="flat" cmpd="sng" algn="ctr">
+            <a:noFill/>
+            <a:prstDash val="solid"/>
+          </a:ln>
+          <a:effectLst/>
+        </p:spPr>
+        <p:txBody>
+          <a:bodyPr lIns="96171" tIns="48084" rIns="96171" bIns="48084" anchor="ctr"/>
+          <a:lstStyle/>
+          <a:p>
+            <a:pPr marL="0" marR="0" lvl="0" indent="0" algn="ctr" defTabSz="914400" rtl="0" eaLnBrk="1" fontAlgn="auto" latinLnBrk="0" hangingPunct="1">
+              <a:lnSpc>
+                <a:spcPct val="120000"/>
+              </a:lnSpc>
+              <a:spcBef>
+                <a:spcPts val="0"/>
+              </a:spcBef>
+              <a:spcAft>
+                <a:spcPts val="0"/>
+              </a:spcAft>
+              <a:buClrTx/>
+              <a:buSzTx/>
+              <a:buFontTx/>
+              <a:buNone/>
+              <a:tabLst/>
+              <a:defRPr/>
+            </a:pPr>
+            <a:r>
+              <a:rPr kumimoji="0" lang="zh-CN" altLang="en-US" sz="1800" b="0" i="0" u="none" strike="noStrike" kern="0" cap="none" spc="0" normalizeH="0" baseline="0" noProof="0" dirty="0">
+                <a:ln>
+                  <a:noFill/>
+                </a:ln>
+                <a:solidFill>
+                  <a:srgbClr val="414455"/>
+                </a:solidFill>
+                <a:effectLst/>
+                <a:uLnTx/>
+                <a:uFillTx/>
+                <a:latin typeface="微软雅黑" pitchFamily="34" charset="-122"/>
+                <a:ea typeface="微软雅黑" pitchFamily="34" charset="-122"/>
+                <a:cs typeface="+mn-cs"/>
+              </a:rPr>
+              <a:t>   </a:t>
+            </a:r>
+            <a:r>
+              <a:rPr kumimoji="0" lang="zh-CN" altLang="en-US" sz="1800" b="0" i="0" u="none" strike="noStrike" kern="0" cap="none" spc="0" normalizeH="0" baseline="0" noProof="0" dirty="0" smtClean="0">
+                <a:ln>
+                  <a:noFill/>
+                </a:ln>
+                <a:solidFill>
+                  <a:srgbClr val="FFFFFF"/>
+                </a:solidFill>
+                <a:effectLst/>
+                <a:uLnTx/>
+                <a:uFillTx/>
+                <a:latin typeface="微软雅黑" pitchFamily="34" charset="-122"/>
+                <a:ea typeface="微软雅黑" pitchFamily="34" charset="-122"/>
+                <a:cs typeface="+mn-cs"/>
+              </a:rPr>
+              <a:t>痛点</a:t>
+            </a:r>
+            <a:endParaRPr kumimoji="0" lang="zh-CN" altLang="en-US" sz="1800" b="0" i="0" u="none" strike="noStrike" kern="0" cap="none" spc="0" normalizeH="0" baseline="0" noProof="0" dirty="0">
+              <a:ln>
+                <a:noFill/>
+              </a:ln>
+              <a:solidFill>
+                <a:srgbClr val="FFFFFF"/>
+              </a:solidFill>
+              <a:effectLst/>
+              <a:uLnTx/>
+              <a:uFillTx/>
+              <a:latin typeface="微软雅黑" pitchFamily="34" charset="-122"/>
+              <a:ea typeface="微软雅黑" pitchFamily="34" charset="-122"/>
+              <a:cs typeface="+mn-cs"/>
+            </a:endParaRPr>
+          </a:p>
+        </p:txBody>
+      </p:sp>
+      <p:sp>
+        <p:nvSpPr>
+          <p:cNvPr id="22" name="下箭头 21"/>
+          <p:cNvSpPr>
+            <a:spLocks noChangeArrowheads="1"/>
+          </p:cNvSpPr>
+          <p:nvPr/>
+        </p:nvSpPr>
+        <p:spPr bwMode="auto">
+          <a:xfrm>
+            <a:off x="4063625" y="3008405"/>
+            <a:ext cx="842301" cy="590055"/>
+          </a:xfrm>
+          <a:prstGeom prst="downArrow">
+            <a:avLst>
+              <a:gd name="adj1" fmla="val 50000"/>
+              <a:gd name="adj2" fmla="val 50000"/>
+            </a:avLst>
+          </a:prstGeom>
+          <a:solidFill>
+            <a:schemeClr val="tx2"/>
+          </a:solidFill>
+          <a:ln>
+            <a:noFill/>
+          </a:ln>
+          <a:effectLst/>
+          <a:extLst/>
+        </p:spPr>
+        <p:txBody>
+          <a:bodyPr lIns="96171" tIns="48084" rIns="96171" bIns="48084" anchor="ctr"/>
+          <a:lstStyle/>
+          <a:p>
+            <a:pPr marL="0" marR="0" lvl="0" indent="0" algn="l" defTabSz="914400" rtl="0" eaLnBrk="1" fontAlgn="auto" latinLnBrk="0" hangingPunct="1">
+              <a:lnSpc>
+                <a:spcPct val="120000"/>
+              </a:lnSpc>
+              <a:spcBef>
+                <a:spcPts val="0"/>
+              </a:spcBef>
+              <a:spcAft>
+                <a:spcPts val="0"/>
+              </a:spcAft>
+              <a:buClrTx/>
+              <a:buSzTx/>
+              <a:buFontTx/>
+              <a:buNone/>
+              <a:tabLst/>
+              <a:defRPr/>
+            </a:pPr>
+            <a:endParaRPr kumimoji="0" lang="zh-CN" altLang="en-US" sz="1900" b="1" i="0" u="none" strike="noStrike" kern="0" cap="none" spc="0" normalizeH="0" baseline="0" noProof="0" dirty="0">
+              <a:ln>
+                <a:noFill/>
+              </a:ln>
+              <a:solidFill>
+                <a:sysClr val="window" lastClr="FFFFFF"/>
+              </a:solidFill>
+              <a:effectLst/>
+              <a:uLnTx/>
+              <a:uFillTx/>
+              <a:latin typeface="微软雅黑" pitchFamily="34" charset="-122"/>
+              <a:ea typeface="微软雅黑" pitchFamily="34" charset="-122"/>
+              <a:cs typeface="+mn-cs"/>
+            </a:endParaRPr>
+          </a:p>
+        </p:txBody>
+      </p:sp>
+      <p:sp>
+        <p:nvSpPr>
+          <p:cNvPr id="23" name="TextBox 22"/>
+          <p:cNvSpPr txBox="1"/>
+          <p:nvPr/>
+        </p:nvSpPr>
+        <p:spPr bwMode="auto">
+          <a:xfrm>
+            <a:off x="1071684" y="3170249"/>
+            <a:ext cx="1551692" cy="1057370"/>
+          </a:xfrm>
+          <a:prstGeom prst="rect">
+            <a:avLst/>
+          </a:prstGeom>
+          <a:noFill/>
+        </p:spPr>
+        <p:txBody>
+          <a:bodyPr lIns="96171" tIns="48084" rIns="96171" bIns="48084">
+            <a:spAutoFit/>
+          </a:bodyPr>
+          <a:lstStyle/>
+          <a:p>
+            <a:pPr marL="0" marR="0" lvl="0" indent="0" algn="l" defTabSz="914400" rtl="0" eaLnBrk="1" fontAlgn="auto" latinLnBrk="0" hangingPunct="1">
+              <a:lnSpc>
+                <a:spcPct val="130000"/>
+              </a:lnSpc>
+              <a:spcBef>
+                <a:spcPts val="0"/>
+              </a:spcBef>
+              <a:spcAft>
+                <a:spcPts val="0"/>
+              </a:spcAft>
+              <a:buClrTx/>
+              <a:buSzTx/>
+              <a:buFontTx/>
+              <a:buNone/>
+              <a:tabLst/>
+              <a:defRPr/>
+            </a:pPr>
+            <a:r>
+              <a:rPr kumimoji="0" lang="zh-CN" altLang="en-US" sz="1200" b="0" i="0" u="none" strike="noStrike" kern="1200" cap="none" spc="0" normalizeH="0" baseline="0" noProof="0" dirty="0" smtClean="0">
+                <a:ln>
+                  <a:noFill/>
+                </a:ln>
+                <a:solidFill>
+                  <a:srgbClr val="000000">
+                    <a:lumMod val="75000"/>
+                    <a:lumOff val="25000"/>
+                  </a:srgbClr>
+                </a:solidFill>
+                <a:effectLst/>
+                <a:uLnTx/>
+                <a:uFillTx/>
+                <a:latin typeface="微软雅黑" pitchFamily="34" charset="-122"/>
+                <a:ea typeface="微软雅黑" pitchFamily="34" charset="-122"/>
+                <a:cs typeface="+mn-cs"/>
+              </a:rPr>
+              <a:t>某应用原来无障碍体验很好，官方升级之后，却无法使用。</a:t>
+            </a:r>
+            <a:endParaRPr kumimoji="0" lang="zh-CN" altLang="en-US" sz="1200" b="0" i="0" u="none" strike="noStrike" kern="1200" cap="none" spc="0" normalizeH="0" baseline="0" noProof="0" dirty="0">
+              <a:ln>
+                <a:noFill/>
+              </a:ln>
+              <a:solidFill>
+                <a:srgbClr val="000000">
+                  <a:lumMod val="75000"/>
+                  <a:lumOff val="25000"/>
+                </a:srgbClr>
+              </a:solidFill>
+              <a:effectLst/>
+              <a:uLnTx/>
+              <a:uFillTx/>
+              <a:latin typeface="微软雅黑" pitchFamily="34" charset="-122"/>
+              <a:ea typeface="微软雅黑" pitchFamily="34" charset="-122"/>
+              <a:cs typeface="+mn-cs"/>
+            </a:endParaRPr>
+          </a:p>
+        </p:txBody>
+      </p:sp>
+      <p:sp>
+        <p:nvSpPr>
+          <p:cNvPr id="24" name="TextBox 23"/>
+          <p:cNvSpPr txBox="1"/>
+          <p:nvPr/>
+        </p:nvSpPr>
+        <p:spPr bwMode="auto">
+          <a:xfrm>
+            <a:off x="6495962" y="3234313"/>
+            <a:ext cx="1553354" cy="1777567"/>
+          </a:xfrm>
+          <a:prstGeom prst="rect">
+            <a:avLst/>
+          </a:prstGeom>
+          <a:noFill/>
+        </p:spPr>
+        <p:txBody>
+          <a:bodyPr lIns="96171" tIns="48084" rIns="96171" bIns="48084">
+            <a:spAutoFit/>
+          </a:bodyPr>
+          <a:lstStyle/>
+          <a:p>
+            <a:pPr lvl="0">
+              <a:lnSpc>
+                <a:spcPct val="130000"/>
+              </a:lnSpc>
+            </a:pPr>
+            <a:r>
+              <a:rPr lang="zh-CN" altLang="en-US" sz="1200" dirty="0" smtClean="0"/>
+              <a:t>在正常的应用市场中某款应用在</a:t>
+            </a:r>
+            <a:r>
+              <a:rPr lang="zh-CN" altLang="en-US" sz="1200" dirty="0"/>
+              <a:t>下载榜单排名很高，盲人却无法正常</a:t>
+            </a:r>
+            <a:r>
+              <a:rPr lang="zh-CN" altLang="en-US" sz="1200" dirty="0" smtClean="0"/>
+              <a:t>使用；而某款应用评分很低，却是盲人用户真正需要的。</a:t>
+            </a:r>
+            <a:endParaRPr kumimoji="0" lang="zh-CN" altLang="en-US" sz="1200" b="0" i="0" u="none" strike="noStrike" kern="1200" cap="none" spc="0" normalizeH="0" baseline="0" noProof="0" dirty="0">
+              <a:ln>
+                <a:noFill/>
+              </a:ln>
+              <a:solidFill>
+                <a:srgbClr val="000000">
+                  <a:lumMod val="75000"/>
+                  <a:lumOff val="25000"/>
+                </a:srgbClr>
+              </a:solidFill>
+              <a:effectLst/>
+              <a:uLnTx/>
+              <a:uFillTx/>
+              <a:latin typeface="微软雅黑" pitchFamily="34" charset="-122"/>
+              <a:ea typeface="微软雅黑" pitchFamily="34" charset="-122"/>
+              <a:cs typeface="+mn-cs"/>
+            </a:endParaRPr>
+          </a:p>
+        </p:txBody>
+      </p:sp>
+      <p:sp>
+        <p:nvSpPr>
+          <p:cNvPr id="25" name="TextBox 19"/>
+          <p:cNvSpPr txBox="1">
+            <a:spLocks noChangeArrowheads="1"/>
+          </p:cNvSpPr>
+          <p:nvPr/>
+        </p:nvSpPr>
+        <p:spPr bwMode="auto">
+          <a:xfrm>
+            <a:off x="3203848" y="3627120"/>
+            <a:ext cx="2448272" cy="1248886"/>
+          </a:xfrm>
+          <a:prstGeom prst="rect">
+            <a:avLst/>
+          </a:prstGeom>
+          <a:noFill/>
+          <a:ln>
+            <a:noFill/>
+          </a:ln>
+          <a:extLst/>
+        </p:spPr>
+        <p:txBody>
+          <a:bodyPr wrap="square" lIns="96171" tIns="48084" rIns="96171" bIns="48084">
+            <a:spAutoFit/>
+          </a:bodyPr>
+          <a:lstStyle>
+            <a:lvl1pPr eaLnBrk="0" hangingPunct="0">
+              <a:defRPr>
+                <a:solidFill>
+                  <a:schemeClr val="tx1"/>
+                </a:solidFill>
+                <a:latin typeface="Arial" charset="0"/>
+                <a:ea typeface="宋体" charset="-122"/>
+              </a:defRPr>
+            </a:lvl1pPr>
+            <a:lvl2pPr marL="742950" indent="-285750" eaLnBrk="0" hangingPunct="0">
+              <a:defRPr>
+                <a:solidFill>
+                  <a:schemeClr val="tx1"/>
+                </a:solidFill>
+                <a:latin typeface="Arial" charset="0"/>
+                <a:ea typeface="宋体" charset="-122"/>
+              </a:defRPr>
+            </a:lvl2pPr>
+            <a:lvl3pPr marL="1143000" indent="-228600" eaLnBrk="0" hangingPunct="0">
+              <a:defRPr>
+                <a:solidFill>
+                  <a:schemeClr val="tx1"/>
+                </a:solidFill>
+                <a:latin typeface="Arial" charset="0"/>
+                <a:ea typeface="宋体" charset="-122"/>
+              </a:defRPr>
+            </a:lvl3pPr>
+            <a:lvl4pPr marL="1600200" indent="-228600" eaLnBrk="0" hangingPunct="0">
+              <a:defRPr>
+                <a:solidFill>
+                  <a:schemeClr val="tx1"/>
+                </a:solidFill>
+                <a:latin typeface="Arial" charset="0"/>
+                <a:ea typeface="宋体" charset="-122"/>
+              </a:defRPr>
+            </a:lvl4pPr>
+            <a:lvl5pPr marL="2057400" indent="-228600" eaLnBrk="0" hangingPunct="0">
+              <a:defRPr>
+                <a:solidFill>
+                  <a:schemeClr val="tx1"/>
+                </a:solidFill>
+                <a:latin typeface="Arial" charset="0"/>
+                <a:ea typeface="宋体" charset="-122"/>
+              </a:defRPr>
+            </a:lvl5pPr>
+            <a:lvl6pPr marL="2514600" indent="-228600" eaLnBrk="0" fontAlgn="base" hangingPunct="0">
+              <a:spcBef>
+                <a:spcPct val="0"/>
+              </a:spcBef>
+              <a:spcAft>
+                <a:spcPct val="0"/>
+              </a:spcAft>
+              <a:defRPr>
+                <a:solidFill>
+                  <a:schemeClr val="tx1"/>
+                </a:solidFill>
+                <a:latin typeface="Arial" charset="0"/>
+                <a:ea typeface="宋体" charset="-122"/>
+              </a:defRPr>
+            </a:lvl6pPr>
+            <a:lvl7pPr marL="2971800" indent="-228600" eaLnBrk="0" fontAlgn="base" hangingPunct="0">
+              <a:spcBef>
+                <a:spcPct val="0"/>
+              </a:spcBef>
+              <a:spcAft>
+                <a:spcPct val="0"/>
+              </a:spcAft>
+              <a:defRPr>
+                <a:solidFill>
+                  <a:schemeClr val="tx1"/>
+                </a:solidFill>
+                <a:latin typeface="Arial" charset="0"/>
+                <a:ea typeface="宋体" charset="-122"/>
+              </a:defRPr>
+            </a:lvl7pPr>
+            <a:lvl8pPr marL="3429000" indent="-228600" eaLnBrk="0" fontAlgn="base" hangingPunct="0">
+              <a:spcBef>
+                <a:spcPct val="0"/>
+              </a:spcBef>
+              <a:spcAft>
+                <a:spcPct val="0"/>
+              </a:spcAft>
+              <a:defRPr>
+                <a:solidFill>
+                  <a:schemeClr val="tx1"/>
+                </a:solidFill>
+                <a:latin typeface="Arial" charset="0"/>
+                <a:ea typeface="宋体" charset="-122"/>
+              </a:defRPr>
+            </a:lvl8pPr>
+            <a:lvl9pPr marL="3886200" indent="-228600" eaLnBrk="0" fontAlgn="base" hangingPunct="0">
+              <a:spcBef>
+                <a:spcPct val="0"/>
+              </a:spcBef>
+              <a:spcAft>
+                <a:spcPct val="0"/>
+              </a:spcAft>
+              <a:defRPr>
+                <a:solidFill>
+                  <a:schemeClr val="tx1"/>
+                </a:solidFill>
+                <a:latin typeface="Arial" charset="0"/>
+                <a:ea typeface="宋体" charset="-122"/>
+              </a:defRPr>
+            </a:lvl9pPr>
+          </a:lstStyle>
+          <a:p>
+            <a:pPr algn="just">
+              <a:lnSpc>
+                <a:spcPct val="150000"/>
+              </a:lnSpc>
+            </a:pPr>
+            <a:r>
+              <a:rPr lang="en-US" altLang="zh-CN" sz="1600" dirty="0" smtClean="0"/>
+              <a:t>Android</a:t>
+            </a:r>
+            <a:r>
+              <a:rPr lang="zh-CN" altLang="en-US" sz="1600" dirty="0"/>
+              <a:t>应用各式各样，并不是所有的应用支持无</a:t>
+            </a:r>
+            <a:r>
+              <a:rPr lang="zh-CN" altLang="en-US" sz="1600" dirty="0" smtClean="0"/>
+              <a:t>障碍。</a:t>
+            </a:r>
+            <a:endParaRPr lang="en-US" altLang="zh-CN" sz="1600" dirty="0"/>
+          </a:p>
+        </p:txBody>
+      </p:sp>
+      <p:sp>
+        <p:nvSpPr>
+          <p:cNvPr id="15" name="TextBox 14"/>
+          <p:cNvSpPr txBox="1"/>
+          <p:nvPr/>
+        </p:nvSpPr>
+        <p:spPr>
+          <a:xfrm>
+            <a:off x="313069" y="58298"/>
+            <a:ext cx="2386723" cy="430374"/>
+          </a:xfrm>
+          <a:prstGeom prst="rect">
+            <a:avLst/>
+          </a:prstGeom>
+          <a:noFill/>
+        </p:spPr>
+        <p:txBody>
+          <a:bodyPr wrap="square" rtlCol="0">
+            <a:spAutoFit/>
+          </a:bodyPr>
+          <a:lstStyle/>
+          <a:p>
+            <a:pPr marL="0" marR="0" lvl="0" indent="0" algn="l" defTabSz="914400" rtl="0" eaLnBrk="1" fontAlgn="auto" latinLnBrk="0" hangingPunct="1">
+              <a:lnSpc>
+                <a:spcPct val="120000"/>
+              </a:lnSpc>
+              <a:spcBef>
+                <a:spcPts val="0"/>
+              </a:spcBef>
+              <a:spcAft>
+                <a:spcPts val="0"/>
+              </a:spcAft>
+              <a:buClrTx/>
+              <a:buSzTx/>
+              <a:buFontTx/>
+              <a:buNone/>
+              <a:tabLst/>
+              <a:defRPr/>
+            </a:pPr>
+            <a:r>
+              <a:rPr kumimoji="0" lang="zh-CN" altLang="en-US" sz="2000" b="1" i="0" u="none" strike="noStrike" kern="1200" cap="none" spc="0" normalizeH="0" baseline="0" noProof="0" dirty="0" smtClean="0">
+                <a:ln>
+                  <a:noFill/>
+                </a:ln>
+                <a:solidFill>
+                  <a:srgbClr val="000000">
+                    <a:lumMod val="75000"/>
+                    <a:lumOff val="25000"/>
+                  </a:srgbClr>
+                </a:solidFill>
+                <a:effectLst/>
+                <a:uLnTx/>
+                <a:uFillTx/>
+                <a:latin typeface="微软雅黑"/>
+                <a:ea typeface="微软雅黑"/>
+                <a:cs typeface="+mn-cs"/>
+              </a:rPr>
+              <a:t>用户需求</a:t>
+            </a:r>
+          </a:p>
+        </p:txBody>
+      </p:sp>
+    </p:spTree>
+    <p:extLst>
+      <p:ext uri="{BB962C8B-B14F-4D97-AF65-F5344CB8AC3E}">
+        <p14:creationId xmlns:p14="http://schemas.microsoft.com/office/powerpoint/2010/main" val="1680237471"/>
+      </p:ext>
+    </p:extLst>
+  </p:cSld>
+  <p:clrMapOvr>
+    <a:masterClrMapping/>
+  </p:clrMapOvr>
+  <mc:AlternateContent xmlns:mc="http://schemas.openxmlformats.org/markup-compatibility/2006">
+    <mc:Choice xmlns:p14="http://schemas.microsoft.com/office/powerpoint/2010/main" Requires="p14">
+      <p:transition spd="slow" p14:dur="1200">
+        <p14:prism/>
+      </p:transition>
+    </mc:Choice>
+    <mc:Fallback>
+      <p:transition spd="slow">
+        <p:fade/>
+      </p:transition>
+    </mc:Fallback>
+  </mc:AlternateContent>
+  <p:timing>
+    <p:tnLst>
+      <p:par>
+        <p:cTn id="1" dur="indefinite" restart="never" nodeType="tmRoot">
+          <p:childTnLst>
+            <p:seq concurrent="1" nextAc="seek">
+              <p:cTn id="2" dur="indefinite" nodeType="mainSeq">
+                <p:childTnLst>
+                  <p:par>
+                    <p:cTn id="3" fill="hold">
+                      <p:stCondLst>
+                        <p:cond delay="indefinite"/>
+                        <p:cond evt="onBegin" delay="0">
+                          <p:tn val="2"/>
+                        </p:cond>
+                      </p:stCondLst>
+                      <p:childTnLst>
+                        <p:par>
+                          <p:cTn id="4" fill="hold">
+                            <p:stCondLst>
+                              <p:cond delay="0"/>
+                            </p:stCondLst>
+                            <p:childTnLst>
+                              <p:par>
+                                <p:cTn id="5" presetID="49" presetClass="entr" presetSubtype="0" decel="100000" fill="hold" grpId="0" nodeType="afterEffect">
+                                  <p:stCondLst>
+                                    <p:cond delay="0"/>
+                                  </p:stCondLst>
+                                  <p:childTnLst>
+                                    <p:set>
+                                      <p:cBhvr>
+                                        <p:cTn id="6" dur="1" fill="hold">
+                                          <p:stCondLst>
+                                            <p:cond delay="0"/>
+                                          </p:stCondLst>
+                                        </p:cTn>
+                                        <p:tgtEl>
+                                          <p:spTgt spid="19"/>
+                                        </p:tgtEl>
+                                        <p:attrNameLst>
+                                          <p:attrName>style.visibility</p:attrName>
+                                        </p:attrNameLst>
+                                      </p:cBhvr>
+                                      <p:to>
+                                        <p:strVal val="visible"/>
+                                      </p:to>
+                                    </p:set>
+                                    <p:anim calcmode="lin" valueType="num">
+                                      <p:cBhvr>
+                                        <p:cTn id="7" dur="500" fill="hold"/>
+                                        <p:tgtEl>
+                                          <p:spTgt spid="19"/>
+                                        </p:tgtEl>
+                                        <p:attrNameLst>
+                                          <p:attrName>ppt_w</p:attrName>
+                                        </p:attrNameLst>
+                                      </p:cBhvr>
+                                      <p:tavLst>
+                                        <p:tav tm="0">
+                                          <p:val>
+                                            <p:fltVal val="0"/>
+                                          </p:val>
+                                        </p:tav>
+                                        <p:tav tm="100000">
+                                          <p:val>
+                                            <p:strVal val="#ppt_w"/>
+                                          </p:val>
+                                        </p:tav>
+                                      </p:tavLst>
+                                    </p:anim>
+                                    <p:anim calcmode="lin" valueType="num">
+                                      <p:cBhvr>
+                                        <p:cTn id="8" dur="500" fill="hold"/>
+                                        <p:tgtEl>
+                                          <p:spTgt spid="19"/>
+                                        </p:tgtEl>
+                                        <p:attrNameLst>
+                                          <p:attrName>ppt_h</p:attrName>
+                                        </p:attrNameLst>
+                                      </p:cBhvr>
+                                      <p:tavLst>
+                                        <p:tav tm="0">
+                                          <p:val>
+                                            <p:fltVal val="0"/>
+                                          </p:val>
+                                        </p:tav>
+                                        <p:tav tm="100000">
+                                          <p:val>
+                                            <p:strVal val="#ppt_h"/>
+                                          </p:val>
+                                        </p:tav>
+                                      </p:tavLst>
+                                    </p:anim>
+                                    <p:anim calcmode="lin" valueType="num">
+                                      <p:cBhvr>
+                                        <p:cTn id="9" dur="500" fill="hold"/>
+                                        <p:tgtEl>
+                                          <p:spTgt spid="19"/>
+                                        </p:tgtEl>
+                                        <p:attrNameLst>
+                                          <p:attrName>style.rotation</p:attrName>
+                                        </p:attrNameLst>
+                                      </p:cBhvr>
+                                      <p:tavLst>
+                                        <p:tav tm="0">
+                                          <p:val>
+                                            <p:fltVal val="360"/>
+                                          </p:val>
+                                        </p:tav>
+                                        <p:tav tm="100000">
+                                          <p:val>
+                                            <p:fltVal val="0"/>
+                                          </p:val>
+                                        </p:tav>
+                                      </p:tavLst>
+                                    </p:anim>
+                                    <p:animEffect transition="in" filter="fade">
+                                      <p:cBhvr>
+                                        <p:cTn id="10" dur="500"/>
+                                        <p:tgtEl>
+                                          <p:spTgt spid="19"/>
+                                        </p:tgtEl>
+                                      </p:cBhvr>
+                                    </p:animEffect>
+                                  </p:childTnLst>
+                                </p:cTn>
+                              </p:par>
+                              <p:par>
+                                <p:cTn id="11" presetID="49" presetClass="entr" presetSubtype="0" decel="100000" fill="hold" grpId="0" nodeType="withEffect">
+                                  <p:stCondLst>
+                                    <p:cond delay="0"/>
+                                  </p:stCondLst>
+                                  <p:childTnLst>
+                                    <p:set>
+                                      <p:cBhvr>
+                                        <p:cTn id="12" dur="1" fill="hold">
+                                          <p:stCondLst>
+                                            <p:cond delay="0"/>
+                                          </p:stCondLst>
+                                        </p:cTn>
+                                        <p:tgtEl>
+                                          <p:spTgt spid="20"/>
+                                        </p:tgtEl>
+                                        <p:attrNameLst>
+                                          <p:attrName>style.visibility</p:attrName>
+                                        </p:attrNameLst>
+                                      </p:cBhvr>
+                                      <p:to>
+                                        <p:strVal val="visible"/>
+                                      </p:to>
+                                    </p:set>
+                                    <p:anim calcmode="lin" valueType="num">
+                                      <p:cBhvr>
+                                        <p:cTn id="13" dur="500" fill="hold"/>
+                                        <p:tgtEl>
+                                          <p:spTgt spid="20"/>
+                                        </p:tgtEl>
+                                        <p:attrNameLst>
+                                          <p:attrName>ppt_w</p:attrName>
+                                        </p:attrNameLst>
+                                      </p:cBhvr>
+                                      <p:tavLst>
+                                        <p:tav tm="0">
+                                          <p:val>
+                                            <p:fltVal val="0"/>
+                                          </p:val>
+                                        </p:tav>
+                                        <p:tav tm="100000">
+                                          <p:val>
+                                            <p:strVal val="#ppt_w"/>
+                                          </p:val>
+                                        </p:tav>
+                                      </p:tavLst>
+                                    </p:anim>
+                                    <p:anim calcmode="lin" valueType="num">
+                                      <p:cBhvr>
+                                        <p:cTn id="14" dur="500" fill="hold"/>
+                                        <p:tgtEl>
+                                          <p:spTgt spid="20"/>
+                                        </p:tgtEl>
+                                        <p:attrNameLst>
+                                          <p:attrName>ppt_h</p:attrName>
+                                        </p:attrNameLst>
+                                      </p:cBhvr>
+                                      <p:tavLst>
+                                        <p:tav tm="0">
+                                          <p:val>
+                                            <p:fltVal val="0"/>
+                                          </p:val>
+                                        </p:tav>
+                                        <p:tav tm="100000">
+                                          <p:val>
+                                            <p:strVal val="#ppt_h"/>
+                                          </p:val>
+                                        </p:tav>
+                                      </p:tavLst>
+                                    </p:anim>
+                                    <p:anim calcmode="lin" valueType="num">
+                                      <p:cBhvr>
+                                        <p:cTn id="15" dur="500" fill="hold"/>
+                                        <p:tgtEl>
+                                          <p:spTgt spid="20"/>
+                                        </p:tgtEl>
+                                        <p:attrNameLst>
+                                          <p:attrName>style.rotation</p:attrName>
+                                        </p:attrNameLst>
+                                      </p:cBhvr>
+                                      <p:tavLst>
+                                        <p:tav tm="0">
+                                          <p:val>
+                                            <p:fltVal val="360"/>
+                                          </p:val>
+                                        </p:tav>
+                                        <p:tav tm="100000">
+                                          <p:val>
+                                            <p:fltVal val="0"/>
+                                          </p:val>
+                                        </p:tav>
+                                      </p:tavLst>
+                                    </p:anim>
+                                    <p:animEffect transition="in" filter="fade">
+                                      <p:cBhvr>
+                                        <p:cTn id="16" dur="500"/>
+                                        <p:tgtEl>
+                                          <p:spTgt spid="20"/>
+                                        </p:tgtEl>
+                                      </p:cBhvr>
+                                    </p:animEffect>
+                                  </p:childTnLst>
+                                </p:cTn>
+                              </p:par>
+                            </p:childTnLst>
+                          </p:cTn>
+                        </p:par>
+                        <p:par>
+                          <p:cTn id="17" fill="hold">
+                            <p:stCondLst>
+                              <p:cond delay="500"/>
+                            </p:stCondLst>
+                            <p:childTnLst>
+                              <p:par>
+                                <p:cTn id="18" presetID="12" presetClass="entr" presetSubtype="8" fill="hold" grpId="0" nodeType="afterEffect">
+                                  <p:stCondLst>
+                                    <p:cond delay="0"/>
+                                  </p:stCondLst>
+                                  <p:childTnLst>
+                                    <p:set>
+                                      <p:cBhvr>
+                                        <p:cTn id="19" dur="1" fill="hold">
+                                          <p:stCondLst>
+                                            <p:cond delay="0"/>
+                                          </p:stCondLst>
+                                        </p:cTn>
+                                        <p:tgtEl>
+                                          <p:spTgt spid="17"/>
+                                        </p:tgtEl>
+                                        <p:attrNameLst>
+                                          <p:attrName>style.visibility</p:attrName>
+                                        </p:attrNameLst>
+                                      </p:cBhvr>
+                                      <p:to>
+                                        <p:strVal val="visible"/>
+                                      </p:to>
+                                    </p:set>
+                                    <p:animEffect transition="in" filter="slide(fromLeft)">
+                                      <p:cBhvr>
+                                        <p:cTn id="20" dur="500"/>
+                                        <p:tgtEl>
+                                          <p:spTgt spid="17"/>
+                                        </p:tgtEl>
+                                      </p:cBhvr>
+                                    </p:animEffect>
+                                  </p:childTnLst>
+                                </p:cTn>
+                              </p:par>
+                              <p:par>
+                                <p:cTn id="21" presetID="12" presetClass="entr" presetSubtype="2" fill="hold" grpId="0" nodeType="withEffect">
+                                  <p:stCondLst>
+                                    <p:cond delay="0"/>
+                                  </p:stCondLst>
+                                  <p:childTnLst>
+                                    <p:set>
+                                      <p:cBhvr>
+                                        <p:cTn id="22" dur="1" fill="hold">
+                                          <p:stCondLst>
+                                            <p:cond delay="0"/>
+                                          </p:stCondLst>
+                                        </p:cTn>
+                                        <p:tgtEl>
+                                          <p:spTgt spid="18"/>
+                                        </p:tgtEl>
+                                        <p:attrNameLst>
+                                          <p:attrName>style.visibility</p:attrName>
+                                        </p:attrNameLst>
+                                      </p:cBhvr>
+                                      <p:to>
+                                        <p:strVal val="visible"/>
+                                      </p:to>
+                                    </p:set>
+                                    <p:animEffect transition="in" filter="slide(fromRight)">
+                                      <p:cBhvr>
+                                        <p:cTn id="23" dur="500"/>
+                                        <p:tgtEl>
+                                          <p:spTgt spid="18"/>
+                                        </p:tgtEl>
+                                      </p:cBhvr>
+                                    </p:animEffect>
+                                  </p:childTnLst>
+                                </p:cTn>
+                              </p:par>
+                            </p:childTnLst>
+                          </p:cTn>
+                        </p:par>
+                        <p:par>
+                          <p:cTn id="24" fill="hold">
+                            <p:stCondLst>
+                              <p:cond delay="1000"/>
+                            </p:stCondLst>
+                            <p:childTnLst>
+                              <p:par>
+                                <p:cTn id="25" presetID="17" presetClass="entr" presetSubtype="10" fill="hold" grpId="0" nodeType="afterEffect">
+                                  <p:stCondLst>
+                                    <p:cond delay="0"/>
+                                  </p:stCondLst>
+                                  <p:childTnLst>
+                                    <p:set>
+                                      <p:cBhvr>
+                                        <p:cTn id="26" dur="1" fill="hold">
+                                          <p:stCondLst>
+                                            <p:cond delay="0"/>
+                                          </p:stCondLst>
+                                        </p:cTn>
+                                        <p:tgtEl>
+                                          <p:spTgt spid="21"/>
+                                        </p:tgtEl>
+                                        <p:attrNameLst>
+                                          <p:attrName>style.visibility</p:attrName>
+                                        </p:attrNameLst>
+                                      </p:cBhvr>
+                                      <p:to>
+                                        <p:strVal val="visible"/>
+                                      </p:to>
+                                    </p:set>
+                                    <p:anim calcmode="lin" valueType="num">
+                                      <p:cBhvr>
+                                        <p:cTn id="27" dur="500" fill="hold"/>
+                                        <p:tgtEl>
+                                          <p:spTgt spid="21"/>
+                                        </p:tgtEl>
+                                        <p:attrNameLst>
+                                          <p:attrName>ppt_w</p:attrName>
+                                        </p:attrNameLst>
+                                      </p:cBhvr>
+                                      <p:tavLst>
+                                        <p:tav tm="0">
+                                          <p:val>
+                                            <p:fltVal val="0"/>
+                                          </p:val>
+                                        </p:tav>
+                                        <p:tav tm="100000">
+                                          <p:val>
+                                            <p:strVal val="#ppt_w"/>
+                                          </p:val>
+                                        </p:tav>
+                                      </p:tavLst>
+                                    </p:anim>
+                                    <p:anim calcmode="lin" valueType="num">
+                                      <p:cBhvr>
+                                        <p:cTn id="28" dur="500" fill="hold"/>
+                                        <p:tgtEl>
+                                          <p:spTgt spid="21"/>
+                                        </p:tgtEl>
+                                        <p:attrNameLst>
+                                          <p:attrName>ppt_h</p:attrName>
+                                        </p:attrNameLst>
+                                      </p:cBhvr>
+                                      <p:tavLst>
+                                        <p:tav tm="0">
+                                          <p:val>
+                                            <p:strVal val="#ppt_h"/>
+                                          </p:val>
+                                        </p:tav>
+                                        <p:tav tm="100000">
+                                          <p:val>
+                                            <p:strVal val="#ppt_h"/>
+                                          </p:val>
+                                        </p:tav>
+                                      </p:tavLst>
+                                    </p:anim>
+                                  </p:childTnLst>
+                                </p:cTn>
+                              </p:par>
+                            </p:childTnLst>
+                          </p:cTn>
+                        </p:par>
+                        <p:par>
+                          <p:cTn id="29" fill="hold">
+                            <p:stCondLst>
+                              <p:cond delay="1500"/>
+                            </p:stCondLst>
+                            <p:childTnLst>
+                              <p:par>
+                                <p:cTn id="30" presetID="47" presetClass="entr" presetSubtype="0" fill="hold" grpId="0" nodeType="afterEffect">
+                                  <p:stCondLst>
+                                    <p:cond delay="0"/>
+                                  </p:stCondLst>
+                                  <p:childTnLst>
+                                    <p:set>
+                                      <p:cBhvr>
+                                        <p:cTn id="31" dur="1" fill="hold">
+                                          <p:stCondLst>
+                                            <p:cond delay="0"/>
+                                          </p:stCondLst>
+                                        </p:cTn>
+                                        <p:tgtEl>
+                                          <p:spTgt spid="22"/>
+                                        </p:tgtEl>
+                                        <p:attrNameLst>
+                                          <p:attrName>style.visibility</p:attrName>
+                                        </p:attrNameLst>
+                                      </p:cBhvr>
+                                      <p:to>
+                                        <p:strVal val="visible"/>
+                                      </p:to>
+                                    </p:set>
+                                    <p:animEffect transition="in" filter="fade">
+                                      <p:cBhvr>
+                                        <p:cTn id="32" dur="1000"/>
+                                        <p:tgtEl>
+                                          <p:spTgt spid="22"/>
+                                        </p:tgtEl>
+                                      </p:cBhvr>
+                                    </p:animEffect>
+                                    <p:anim calcmode="lin" valueType="num">
+                                      <p:cBhvr>
+                                        <p:cTn id="33" dur="1000" fill="hold"/>
+                                        <p:tgtEl>
+                                          <p:spTgt spid="22"/>
+                                        </p:tgtEl>
+                                        <p:attrNameLst>
+                                          <p:attrName>ppt_x</p:attrName>
+                                        </p:attrNameLst>
+                                      </p:cBhvr>
+                                      <p:tavLst>
+                                        <p:tav tm="0">
+                                          <p:val>
+                                            <p:strVal val="#ppt_x"/>
+                                          </p:val>
+                                        </p:tav>
+                                        <p:tav tm="100000">
+                                          <p:val>
+                                            <p:strVal val="#ppt_x"/>
+                                          </p:val>
+                                        </p:tav>
+                                      </p:tavLst>
+                                    </p:anim>
+                                    <p:anim calcmode="lin" valueType="num">
+                                      <p:cBhvr>
+                                        <p:cTn id="34" dur="1000" fill="hold"/>
+                                        <p:tgtEl>
+                                          <p:spTgt spid="22"/>
+                                        </p:tgtEl>
+                                        <p:attrNameLst>
+                                          <p:attrName>ppt_y</p:attrName>
+                                        </p:attrNameLst>
+                                      </p:cBhvr>
+                                      <p:tavLst>
+                                        <p:tav tm="0">
+                                          <p:val>
+                                            <p:strVal val="#ppt_y-.1"/>
+                                          </p:val>
+                                        </p:tav>
+                                        <p:tav tm="100000">
+                                          <p:val>
+                                            <p:strVal val="#ppt_y"/>
+                                          </p:val>
+                                        </p:tav>
+                                      </p:tavLst>
+                                    </p:anim>
+                                  </p:childTnLst>
+                                </p:cTn>
+                              </p:par>
+                            </p:childTnLst>
+                          </p:cTn>
+                        </p:par>
+                        <p:par>
+                          <p:cTn id="35" fill="hold">
+                            <p:stCondLst>
+                              <p:cond delay="2500"/>
+                            </p:stCondLst>
+                            <p:childTnLst>
+                              <p:par>
+                                <p:cTn id="36" presetID="8" presetClass="entr" presetSubtype="16" fill="hold" grpId="0" nodeType="afterEffect">
+                                  <p:stCondLst>
+                                    <p:cond delay="0"/>
+                                  </p:stCondLst>
+                                  <p:childTnLst>
+                                    <p:set>
+                                      <p:cBhvr>
+                                        <p:cTn id="37" dur="1" fill="hold">
+                                          <p:stCondLst>
+                                            <p:cond delay="0"/>
+                                          </p:stCondLst>
+                                        </p:cTn>
+                                        <p:tgtEl>
+                                          <p:spTgt spid="25"/>
+                                        </p:tgtEl>
+                                        <p:attrNameLst>
+                                          <p:attrName>style.visibility</p:attrName>
+                                        </p:attrNameLst>
+                                      </p:cBhvr>
+                                      <p:to>
+                                        <p:strVal val="visible"/>
+                                      </p:to>
+                                    </p:set>
+                                    <p:animEffect transition="in" filter="diamond(in)">
+                                      <p:cBhvr>
+                                        <p:cTn id="38" dur="500"/>
+                                        <p:tgtEl>
+                                          <p:spTgt spid="25"/>
+                                        </p:tgtEl>
+                                      </p:cBhvr>
+                                    </p:animEffect>
+                                  </p:childTnLst>
+                                </p:cTn>
+                              </p:par>
+                              <p:par>
+                                <p:cTn id="39" presetID="8" presetClass="entr" presetSubtype="16" fill="hold" grpId="0" nodeType="withEffect">
+                                  <p:stCondLst>
+                                    <p:cond delay="0"/>
+                                  </p:stCondLst>
+                                  <p:childTnLst>
+                                    <p:set>
+                                      <p:cBhvr>
+                                        <p:cTn id="40" dur="1" fill="hold">
+                                          <p:stCondLst>
+                                            <p:cond delay="0"/>
+                                          </p:stCondLst>
+                                        </p:cTn>
+                                        <p:tgtEl>
+                                          <p:spTgt spid="23"/>
+                                        </p:tgtEl>
+                                        <p:attrNameLst>
+                                          <p:attrName>style.visibility</p:attrName>
+                                        </p:attrNameLst>
+                                      </p:cBhvr>
+                                      <p:to>
+                                        <p:strVal val="visible"/>
+                                      </p:to>
+                                    </p:set>
+                                    <p:animEffect transition="in" filter="diamond(in)">
+                                      <p:cBhvr>
+                                        <p:cTn id="41" dur="500"/>
+                                        <p:tgtEl>
+                                          <p:spTgt spid="23"/>
+                                        </p:tgtEl>
+                                      </p:cBhvr>
+                                    </p:animEffect>
+                                  </p:childTnLst>
+                                </p:cTn>
+                              </p:par>
+                              <p:par>
+                                <p:cTn id="42" presetID="8" presetClass="entr" presetSubtype="16" fill="hold" grpId="0" nodeType="withEffect">
+                                  <p:stCondLst>
+                                    <p:cond delay="0"/>
+                                  </p:stCondLst>
+                                  <p:childTnLst>
+                                    <p:set>
+                                      <p:cBhvr>
+                                        <p:cTn id="43" dur="1" fill="hold">
+                                          <p:stCondLst>
+                                            <p:cond delay="0"/>
+                                          </p:stCondLst>
+                                        </p:cTn>
+                                        <p:tgtEl>
+                                          <p:spTgt spid="24"/>
+                                        </p:tgtEl>
+                                        <p:attrNameLst>
+                                          <p:attrName>style.visibility</p:attrName>
+                                        </p:attrNameLst>
+                                      </p:cBhvr>
+                                      <p:to>
+                                        <p:strVal val="visible"/>
+                                      </p:to>
+                                    </p:set>
+                                    <p:animEffect transition="in" filter="diamond(in)">
+                                      <p:cBhvr>
+                                        <p:cTn id="44" dur="500"/>
+                                        <p:tgtEl>
+                                          <p:spTgt spid="24"/>
+                                        </p:tgtEl>
+                                      </p:cBhvr>
+                                    </p:animEffect>
+                                  </p:childTnLst>
+                                </p:cTn>
+                              </p:par>
+                            </p:childTnLst>
+                          </p:cTn>
+                        </p:par>
+                      </p:childTnLst>
+                    </p:cTn>
+                  </p:par>
+                </p:childTnLst>
+              </p:cTn>
+              <p:prevCondLst>
+                <p:cond evt="onPrev" delay="0">
+                  <p:tgtEl>
+                    <p:sldTgt/>
+                  </p:tgtEl>
+                </p:cond>
+              </p:prevCondLst>
+              <p:nextCondLst>
+                <p:cond evt="onNext" delay="0">
+                  <p:tgtEl>
+                    <p:sldTgt/>
+                  </p:tgtEl>
+                </p:cond>
+              </p:nextCondLst>
+            </p:seq>
+          </p:childTnLst>
+        </p:cTn>
+      </p:par>
+    </p:tnLst>
+    <p:bldLst>
+      <p:bldP spid="17" grpId="0" animBg="1"/>
+      <p:bldP spid="18" grpId="0" animBg="1"/>
+      <p:bldP spid="19" grpId="0" animBg="1"/>
+      <p:bldP spid="20" grpId="0" animBg="1"/>
+      <p:bldP spid="21" grpId="0" animBg="1"/>
+      <p:bldP spid="22" grpId="0" animBg="1"/>
+      <p:bldP spid="23" grpId="0"/>
+      <p:bldP spid="24" grpId="0"/>
+      <p:bldP spid="25" grpId="0"/>
+    </p:bldLst>
+  </p:timing>
+</p:sld>
+</file>
+
+<file path=ppt/slides/slide5.xml><?xml version="1.0" encoding="utf-8"?>
+<p:sld xmlns:a="http://schemas.openxmlformats.org/drawingml/2006/main" xmlns:r="http://schemas.openxmlformats.org/officeDocument/2006/relationships" xmlns:p="http://schemas.openxmlformats.org/presentationml/2006/main">
+  <p:cSld>
+    <p:spTree>
+      <p:nvGrpSpPr>
+        <p:cNvPr id="1" name=""/>
+        <p:cNvGrpSpPr/>
+        <p:nvPr/>
+      </p:nvGrpSpPr>
+      <p:grpSpPr>
+        <a:xfrm>
+          <a:off x="0" y="0"/>
+          <a:ext cx="0" cy="0"/>
+          <a:chOff x="0" y="0"/>
+          <a:chExt cx="0" cy="0"/>
+        </a:xfrm>
+      </p:grpSpPr>
+      <p:sp>
+        <p:nvSpPr>
+          <p:cNvPr id="9" name="圆角矩形 8"/>
+          <p:cNvSpPr/>
+          <p:nvPr/>
+        </p:nvSpPr>
+        <p:spPr>
+          <a:xfrm>
+            <a:off x="935596" y="1001750"/>
+            <a:ext cx="7236804" cy="3442208"/>
+          </a:xfrm>
+          <a:prstGeom prst="roundRect">
+            <a:avLst>
+              <a:gd name="adj" fmla="val 4384"/>
+            </a:avLst>
+          </a:prstGeom>
+          <a:noFill/>
+          <a:ln>
+            <a:solidFill>
+              <a:schemeClr val="tx2"/>
+            </a:solidFill>
+          </a:ln>
+        </p:spPr>
+        <p:style>
+          <a:lnRef idx="2">
+            <a:schemeClr val="accent1">
+              <a:shade val="50000"/>
+            </a:schemeClr>
+          </a:lnRef>
+          <a:fillRef idx="1">
+            <a:schemeClr val="accent1"/>
+          </a:fillRef>
+          <a:effectRef idx="0">
+            <a:schemeClr val="accent1"/>
+          </a:effectRef>
+          <a:fontRef idx="minor">
+            <a:schemeClr val="lt1"/>
+          </a:fontRef>
+        </p:style>
+        <p:txBody>
+          <a:bodyPr rtlCol="0" anchor="ctr"/>
+          <a:lstStyle/>
+          <a:p>
+            <a:pPr algn="ctr"/>
+            <a:endParaRPr lang="zh-CN" altLang="en-US"/>
+          </a:p>
+        </p:txBody>
+      </p:sp>
+      <p:grpSp>
+        <p:nvGrpSpPr>
+          <p:cNvPr id="11" name="组合 10"/>
+          <p:cNvGrpSpPr/>
+          <p:nvPr/>
+        </p:nvGrpSpPr>
+        <p:grpSpPr>
+          <a:xfrm>
+            <a:off x="1403648" y="699542"/>
+            <a:ext cx="1296144" cy="557194"/>
+            <a:chOff x="947324" y="607654"/>
+            <a:chExt cx="2400540" cy="557194"/>
+          </a:xfrm>
+        </p:grpSpPr>
+        <p:sp>
+          <p:nvSpPr>
+            <p:cNvPr id="12" name="圆角矩形 11"/>
+            <p:cNvSpPr/>
+            <p:nvPr/>
+          </p:nvSpPr>
+          <p:spPr>
+            <a:xfrm>
+              <a:off x="947324" y="607654"/>
+              <a:ext cx="2400540" cy="557194"/>
+            </a:xfrm>
+            <a:prstGeom prst="roundRect">
+              <a:avLst/>
+            </a:prstGeom>
+            <a:solidFill>
+              <a:schemeClr val="tx2"/>
+            </a:solidFill>
+            <a:ln>
+              <a:noFill/>
+            </a:ln>
+          </p:spPr>
+          <p:style>
+            <a:lnRef idx="2">
+              <a:schemeClr val="accent1">
+                <a:shade val="50000"/>
+              </a:schemeClr>
+            </a:lnRef>
+            <a:fillRef idx="1">
+              <a:schemeClr val="accent1"/>
+            </a:fillRef>
+            <a:effectRef idx="0">
+              <a:schemeClr val="accent1"/>
+            </a:effectRef>
+            <a:fontRef idx="minor">
+              <a:schemeClr val="lt1"/>
+            </a:fontRef>
+          </p:style>
+          <p:txBody>
+            <a:bodyPr rtlCol="0" anchor="ctr"/>
+            <a:lstStyle/>
+            <a:p>
+              <a:pPr algn="ctr"/>
+              <a:endParaRPr lang="zh-CN" altLang="en-US"/>
+            </a:p>
+          </p:txBody>
+        </p:sp>
+        <p:sp>
+          <p:nvSpPr>
+            <p:cNvPr id="13" name="TextBox 12"/>
+            <p:cNvSpPr txBox="1"/>
+            <p:nvPr/>
+          </p:nvSpPr>
+          <p:spPr>
+            <a:xfrm>
+              <a:off x="1115616" y="625527"/>
+              <a:ext cx="2088232" cy="523137"/>
+            </a:xfrm>
+            <a:prstGeom prst="rect">
+              <a:avLst/>
+            </a:prstGeom>
+            <a:noFill/>
+          </p:spPr>
+          <p:txBody>
+            <a:bodyPr wrap="square" lIns="91361" tIns="45679" rIns="91361" bIns="45679">
+              <a:spAutoFit/>
+            </a:bodyPr>
+            <a:lstStyle/>
+            <a:p>
+              <a:pPr>
+                <a:defRPr/>
+              </a:pPr>
+              <a:r>
+                <a:rPr lang="zh-CN" altLang="en-US" sz="2800" b="1" dirty="0" smtClean="0">
+                  <a:solidFill>
+                    <a:schemeClr val="bg1"/>
+                  </a:solidFill>
+                  <a:latin typeface="微软雅黑" pitchFamily="34" charset="-122"/>
+                  <a:ea typeface="微软雅黑" pitchFamily="34" charset="-122"/>
+                </a:rPr>
+                <a:t>总结</a:t>
+              </a:r>
+              <a:endParaRPr lang="zh-CN" altLang="en-US" b="1" dirty="0">
+                <a:solidFill>
+                  <a:schemeClr val="bg1"/>
+                </a:solidFill>
+                <a:latin typeface="微软雅黑" pitchFamily="34" charset="-122"/>
+                <a:ea typeface="微软雅黑" pitchFamily="34" charset="-122"/>
+              </a:endParaRPr>
+            </a:p>
+          </p:txBody>
+        </p:sp>
+      </p:grpSp>
+      <p:sp>
+        <p:nvSpPr>
+          <p:cNvPr id="3" name="矩形 2"/>
+          <p:cNvSpPr/>
+          <p:nvPr/>
+        </p:nvSpPr>
+        <p:spPr>
+          <a:xfrm>
+            <a:off x="1403648" y="1707654"/>
+            <a:ext cx="5760640" cy="1261884"/>
+          </a:xfrm>
+          <a:prstGeom prst="rect">
+            <a:avLst/>
+          </a:prstGeom>
+        </p:spPr>
+        <p:txBody>
+          <a:bodyPr wrap="square">
+            <a:spAutoFit/>
+          </a:bodyPr>
+          <a:lstStyle/>
+          <a:p>
+            <a:r>
+              <a:rPr lang="zh-CN" altLang="en-US" sz="2000" dirty="0" smtClean="0"/>
+              <a:t>因此针对该痛点，我们团队面向全球盲人用户市场，</a:t>
+            </a:r>
+            <a:r>
+              <a:rPr lang="zh-CN" altLang="en-US" sz="2000" dirty="0"/>
+              <a:t>打造一款全</a:t>
+            </a:r>
+            <a:r>
+              <a:rPr lang="en-US" altLang="zh-CN" dirty="0">
+                <a:solidFill>
+                  <a:schemeClr val="tx1">
+                    <a:lumMod val="95000"/>
+                    <a:lumOff val="5000"/>
+                  </a:schemeClr>
+                </a:solidFill>
+                <a:latin typeface="微软雅黑" pitchFamily="34" charset="-122"/>
+                <a:ea typeface="微软雅黑" pitchFamily="34" charset="-122"/>
+                <a:sym typeface="微软雅黑" pitchFamily="34" charset="-122"/>
+              </a:rPr>
+              <a:t>Android</a:t>
+            </a:r>
+            <a:r>
+              <a:rPr lang="zh-CN" altLang="en-US" dirty="0">
+                <a:solidFill>
+                  <a:schemeClr val="tx1">
+                    <a:lumMod val="95000"/>
+                    <a:lumOff val="5000"/>
+                  </a:schemeClr>
+                </a:solidFill>
+                <a:latin typeface="微软雅黑" pitchFamily="34" charset="-122"/>
+                <a:ea typeface="微软雅黑" pitchFamily="34" charset="-122"/>
+                <a:sym typeface="微软雅黑" pitchFamily="34" charset="-122"/>
+              </a:rPr>
+              <a:t>平台的应用商店</a:t>
+            </a:r>
+            <a:r>
+              <a:rPr lang="zh-CN" altLang="en-US" dirty="0" smtClean="0">
+                <a:solidFill>
+                  <a:schemeClr val="tx1">
+                    <a:lumMod val="95000"/>
+                    <a:lumOff val="5000"/>
+                  </a:schemeClr>
+                </a:solidFill>
+                <a:latin typeface="微软雅黑" pitchFamily="34" charset="-122"/>
+                <a:ea typeface="微软雅黑" pitchFamily="34" charset="-122"/>
+                <a:sym typeface="微软雅黑" pitchFamily="34" charset="-122"/>
+              </a:rPr>
+              <a:t>，通过整合这些无障碍应用，使该群体可以通过这该平台，方便的下载</a:t>
+            </a:r>
+            <a:r>
+              <a:rPr lang="zh-CN" altLang="en-US" dirty="0">
+                <a:solidFill>
+                  <a:schemeClr val="tx1">
+                    <a:lumMod val="95000"/>
+                    <a:lumOff val="5000"/>
+                  </a:schemeClr>
+                </a:solidFill>
+                <a:latin typeface="微软雅黑" pitchFamily="34" charset="-122"/>
+                <a:ea typeface="微软雅黑" pitchFamily="34" charset="-122"/>
+                <a:sym typeface="微软雅黑" pitchFamily="34" charset="-122"/>
+              </a:rPr>
+              <a:t>使用，分享该</a:t>
+            </a:r>
+            <a:r>
+              <a:rPr lang="zh-CN" altLang="en-US" dirty="0" smtClean="0">
+                <a:solidFill>
+                  <a:schemeClr val="tx1">
+                    <a:lumMod val="95000"/>
+                    <a:lumOff val="5000"/>
+                  </a:schemeClr>
+                </a:solidFill>
+                <a:latin typeface="微软雅黑" pitchFamily="34" charset="-122"/>
+                <a:ea typeface="微软雅黑" pitchFamily="34" charset="-122"/>
+                <a:sym typeface="微软雅黑" pitchFamily="34" charset="-122"/>
+              </a:rPr>
+              <a:t>应用。</a:t>
+            </a:r>
+            <a:endParaRPr lang="zh-CN" altLang="en-US" dirty="0"/>
+          </a:p>
+        </p:txBody>
+      </p:sp>
+    </p:spTree>
+    <p:extLst>
+      <p:ext uri="{BB962C8B-B14F-4D97-AF65-F5344CB8AC3E}">
+        <p14:creationId xmlns:p14="http://schemas.microsoft.com/office/powerpoint/2010/main" val="2884741510"/>
+      </p:ext>
+    </p:extLst>
+  </p:cSld>
+  <p:clrMapOvr>
+    <a:masterClrMapping/>
+  </p:clrMapOvr>
+  <mc:AlternateContent xmlns:mc="http://schemas.openxmlformats.org/markup-compatibility/2006" xmlns:p14="http://schemas.microsoft.com/office/powerpoint/2010/main">
+    <mc:Choice Requires="p14">
+      <p:transition spd="slow" p14:dur="10000">
+        <p:cover/>
+      </p:transition>
+    </mc:Choice>
+    <mc:Fallback xmlns="">
+      <p:transition spd="slow">
+        <p:cover/>
+      </p:transition>
+    </mc:Fallback>
+  </mc:AlternateContent>
+  <p:timing>
+    <p:tnLst>
+      <p:par>
+        <p:cTn id="1" dur="indefinite" restart="never" nodeType="tmRoot">
+          <p:childTnLst>
+            <p:seq concurrent="1" nextAc="seek">
+              <p:cTn id="2" dur="indefinite" nodeType="mainSeq">
+                <p:childTnLst>
+                  <p:par>
+                    <p:cTn id="3" fill="hold">
+                      <p:stCondLst>
+                        <p:cond delay="indefinite"/>
+                        <p:cond evt="onBegin" delay="0">
+                          <p:tn val="2"/>
+                        </p:cond>
+                      </p:stCondLst>
+                      <p:childTnLst>
+                        <p:par>
+                          <p:cTn id="4" fill="hold">
+                            <p:stCondLst>
+                              <p:cond delay="0"/>
+                            </p:stCondLst>
+                            <p:childTnLst>
+                              <p:par>
+                                <p:cTn id="5" presetID="16" presetClass="entr" presetSubtype="21" fill="hold" nodeType="afterEffect">
+                                  <p:stCondLst>
+                                    <p:cond delay="0"/>
+                                  </p:stCondLst>
+                                  <p:childTnLst>
+                                    <p:set>
+                                      <p:cBhvr>
+                                        <p:cTn id="6" dur="1" fill="hold">
+                                          <p:stCondLst>
+                                            <p:cond delay="0"/>
+                                          </p:stCondLst>
+                                        </p:cTn>
+                                        <p:tgtEl>
+                                          <p:spTgt spid="11"/>
+                                        </p:tgtEl>
+                                        <p:attrNameLst>
+                                          <p:attrName>style.visibility</p:attrName>
+                                        </p:attrNameLst>
+                                      </p:cBhvr>
+                                      <p:to>
+                                        <p:strVal val="visible"/>
+                                      </p:to>
+                                    </p:set>
+                                    <p:animEffect transition="in" filter="barn(inVertical)">
+                                      <p:cBhvr>
+                                        <p:cTn id="7" dur="500"/>
+                                        <p:tgtEl>
+                                          <p:spTgt spid="11"/>
+                                        </p:tgtEl>
+                                      </p:cBhvr>
+                                    </p:animEffect>
+                                  </p:childTnLst>
+                                </p:cTn>
+                              </p:par>
+                            </p:childTnLst>
+                          </p:cTn>
+                        </p:par>
+                        <p:par>
+                          <p:cTn id="8" fill="hold">
+                            <p:stCondLst>
+                              <p:cond delay="500"/>
+                            </p:stCondLst>
+                            <p:childTnLst>
+                              <p:par>
+                                <p:cTn id="9" presetID="22" presetClass="entr" presetSubtype="1" fill="hold" grpId="0" nodeType="afterEffect">
+                                  <p:stCondLst>
+                                    <p:cond delay="0"/>
+                                  </p:stCondLst>
+                                  <p:childTnLst>
+                                    <p:set>
+                                      <p:cBhvr>
+                                        <p:cTn id="10" dur="1" fill="hold">
+                                          <p:stCondLst>
+                                            <p:cond delay="0"/>
+                                          </p:stCondLst>
+                                        </p:cTn>
+                                        <p:tgtEl>
+                                          <p:spTgt spid="9"/>
+                                        </p:tgtEl>
+                                        <p:attrNameLst>
+                                          <p:attrName>style.visibility</p:attrName>
+                                        </p:attrNameLst>
+                                      </p:cBhvr>
+                                      <p:to>
+                                        <p:strVal val="visible"/>
+                                      </p:to>
+                                    </p:set>
+                                    <p:animEffect transition="in" filter="wipe(up)">
+                                      <p:cBhvr>
+                                        <p:cTn id="11" dur="500"/>
+                                        <p:tgtEl>
+                                          <p:spTgt spid="9"/>
+                                        </p:tgtEl>
+                                      </p:cBhvr>
+                                    </p:animEffect>
+                                  </p:childTnLst>
+                                </p:cTn>
+                              </p:par>
+                            </p:childTnLst>
+                          </p:cTn>
+                        </p:par>
+                      </p:childTnLst>
+                    </p:cTn>
+                  </p:par>
+                </p:childTnLst>
+              </p:cTn>
+              <p:prevCondLst>
+                <p:cond evt="onPrev" delay="0">
+                  <p:tgtEl>
+                    <p:sldTgt/>
+                  </p:tgtEl>
+                </p:cond>
+              </p:prevCondLst>
+              <p:nextCondLst>
+                <p:cond evt="onNext" delay="0">
+                  <p:tgtEl>
+                    <p:sldTgt/>
+                  </p:tgtEl>
+                </p:cond>
+              </p:nextCondLst>
+            </p:seq>
+          </p:childTnLst>
+        </p:cTn>
+      </p:par>
+    </p:tnLst>
+    <p:bldLst>
+      <p:bldP spid="9" grpId="0" animBg="1"/>
+    </p:bldLst>
+  </p:timing>
+</p:sld>
+</file>
+
+<file path=ppt/slides/slide6.xml><?xml version="1.0" encoding="utf-8"?>
 <p:sld xmlns:a="http://schemas.openxmlformats.org/drawingml/2006/main" xmlns:r="http://schemas.openxmlformats.org/officeDocument/2006/relationships" xmlns:p="http://schemas.openxmlformats.org/presentationml/2006/main">
   <p:cSld>
     <p:spTree>
@@ -9826,20 +13085,20 @@
   <p:clrMapOvr>
     <a:masterClrMapping/>
   </p:clrMapOvr>
-  <mc:AlternateContent xmlns:mc="http://schemas.openxmlformats.org/markup-compatibility/2006" xmlns:p14="http://schemas.microsoft.com/office/powerpoint/2010/main">
-    <mc:Choice Requires="p14">
-      <p:transition spd="slow" p14:dur="1200" advClick="0" advTm="0">
+  <mc:AlternateContent xmlns:mc="http://schemas.openxmlformats.org/markup-compatibility/2006">
+    <mc:Choice xmlns:p14="http://schemas.microsoft.com/office/powerpoint/2010/main" Requires="p14">
+      <p:transition spd="slow" p14:dur="1200">
         <p14:prism/>
       </p:transition>
     </mc:Choice>
-    <mc:Fallback xmlns="">
-      <p:transition spd="slow" advClick="0" advTm="0">
+    <mc:Fallback>
+      <p:transition spd="slow">
         <p:fade/>
       </p:transition>
     </mc:Fallback>
   </mc:AlternateContent>
-  <mc:AlternateContent xmlns:mc="http://schemas.openxmlformats.org/markup-compatibility/2006">
-    <mc:Choice xmlns:p14="http://schemas.microsoft.com/office/powerpoint/2010/main" Requires="p14">
+  <mc:AlternateContent xmlns:mc="http://schemas.openxmlformats.org/markup-compatibility/2006" xmlns:p14="http://schemas.microsoft.com/office/powerpoint/2010/main">
+    <mc:Choice Requires="p14">
       <p:timing>
         <p:tnLst>
           <p:par>
@@ -10785,7 +14044,7 @@
         </p:bldLst>
       </p:timing>
     </mc:Choice>
-    <mc:Fallback>
+    <mc:Fallback xmlns="">
       <p:timing>
         <p:tnLst>
           <p:par>
@@ -11735,7 +14994,7 @@
 </p:sld>
 </file>
 
-<file path=ppt/slides/slide5.xml><?xml version="1.0" encoding="utf-8"?>
+<file path=ppt/slides/slide7.xml><?xml version="1.0" encoding="utf-8"?>
 <p:sld xmlns:a="http://schemas.openxmlformats.org/drawingml/2006/main" xmlns:r="http://schemas.openxmlformats.org/officeDocument/2006/relationships" xmlns:p="http://schemas.openxmlformats.org/presentationml/2006/main">
   <p:cSld>
     <p:spTree>
@@ -13285,10 +16544,26 @@
                   <a:srgbClr val="FFFFFF"/>
                 </a:solidFill>
               </a:rPr>
-              <a:t>手机助手卖</a:t>
+              <a:t>手机</a:t>
             </a:r>
             <a:r>
-              <a:rPr lang="en-US" altLang="zh-CN" sz="1200" dirty="0" smtClean="0">
+              <a:rPr lang="zh-CN" altLang="en-US" sz="1200" smtClean="0">
+                <a:solidFill>
+                  <a:srgbClr val="FFFFFF"/>
+                </a:solidFill>
+              </a:rPr>
+              <a:t>助手</a:t>
+            </a:r>
+            <a:r>
+              <a:rPr lang="zh-CN" altLang="en-US" sz="1200" smtClean="0">
+                <a:solidFill>
+                  <a:srgbClr val="FFFFFF"/>
+                </a:solidFill>
+              </a:rPr>
+              <a:t>卖百度</a:t>
+            </a:r>
+            <a:r>
+              <a:rPr lang="en-US" altLang="zh-CN" sz="1200" smtClean="0">
                 <a:solidFill>
                   <a:srgbClr val="FFFFFF"/>
                 </a:solidFill>
@@ -13363,14 +16638,14 @@
   <p:clrMapOvr>
     <a:masterClrMapping/>
   </p:clrMapOvr>
-  <mc:AlternateContent xmlns:mc="http://schemas.openxmlformats.org/markup-compatibility/2006" xmlns:p14="http://schemas.microsoft.com/office/powerpoint/2010/main">
-    <mc:Choice Requires="p14">
-      <p:transition spd="slow" p14:dur="1200" advClick="0" advTm="0">
+  <mc:AlternateContent xmlns:mc="http://schemas.openxmlformats.org/markup-compatibility/2006">
+    <mc:Choice xmlns:p14="http://schemas.microsoft.com/office/powerpoint/2010/main" Requires="p14">
+      <p:transition spd="slow" p14:dur="1200">
         <p14:prism/>
       </p:transition>
     </mc:Choice>
-    <mc:Fallback xmlns="">
-      <p:transition spd="slow" advClick="0" advTm="0">
+    <mc:Fallback>
+      <p:transition spd="slow">
         <p:fade/>
       </p:transition>
     </mc:Fallback>
@@ -14045,7 +17320,7 @@
 </p:sld>
 </file>
 
-<file path=ppt/slides/slide6.xml><?xml version="1.0" encoding="utf-8"?>
+<file path=ppt/slides/slide8.xml><?xml version="1.0" encoding="utf-8"?>
 <p:sld xmlns:a="http://schemas.openxmlformats.org/drawingml/2006/main" xmlns:r="http://schemas.openxmlformats.org/officeDocument/2006/relationships" xmlns:p="http://schemas.openxmlformats.org/presentationml/2006/main">
   <p:cSld>
     <p:spTree>
@@ -14243,14 +17518,14 @@
   <p:clrMapOvr>
     <a:masterClrMapping/>
   </p:clrMapOvr>
-  <mc:AlternateContent xmlns:mc="http://schemas.openxmlformats.org/markup-compatibility/2006" xmlns:p14="http://schemas.microsoft.com/office/powerpoint/2010/main">
-    <mc:Choice Requires="p14">
-      <p:transition spd="slow" p14:dur="1500" advTm="0">
+  <mc:AlternateContent xmlns:mc="http://schemas.openxmlformats.org/markup-compatibility/2006">
+    <mc:Choice xmlns:p14="http://schemas.microsoft.com/office/powerpoint/2010/main" Requires="p14">
+      <p:transition spd="slow" p14:dur="1500">
         <p:cover/>
       </p:transition>
     </mc:Choice>
-    <mc:Fallback xmlns="">
-      <p:transition spd="slow" advTm="0">
+    <mc:Fallback>
+      <p:transition spd="slow">
         <p:cover/>
       </p:transition>
     </mc:Fallback>
